--- a/20180126_SmartSplice/20180823_Meeting/SmartSplice.pptx
+++ b/20180126_SmartSplice/20180823_Meeting/SmartSplice.pptx
@@ -286,7 +286,7 @@
           <a:p>
             <a:fld id="{F03889CD-42F6-46D3-8774-76AD4E143C79}" type="datetimeFigureOut">
               <a:rPr lang="zh-TW" altLang="en-US" smtClean="0"/>
-              <a:t>2018/8/8</a:t>
+              <a:t>2018/8/16</a:t>
             </a:fld>
             <a:endParaRPr lang="zh-TW" altLang="en-US"/>
           </a:p>
@@ -892,11 +892,7 @@
           <a:p>
             <a:r>
               <a:rPr lang="en-US" altLang="zh-TW" dirty="0"/>
-              <a:t>4 </a:t>
-            </a:r>
-            <a:r>
-              <a:rPr lang="en-US" altLang="zh-TW" dirty="0" smtClean="0"/>
-              <a:t>%</a:t>
+              <a:t>4 %</a:t>
             </a:r>
           </a:p>
         </p:txBody>
@@ -987,72 +983,68 @@
             </a:r>
             <a:r>
               <a:rPr lang="zh-TW" altLang="en-US" dirty="0"/>
-              <a:t>多根</a:t>
-            </a:r>
-            <a:r>
-              <a:rPr lang="zh-TW" altLang="en-US" dirty="0" smtClean="0"/>
-              <a:t>大梁</a:t>
-            </a:r>
-            <a:endParaRPr lang="en-US" altLang="zh-TW" dirty="0" smtClean="0"/>
-          </a:p>
-          <a:p>
-            <a:r>
-              <a:rPr lang="zh-TW" altLang="en-US" dirty="0" smtClean="0"/>
+              <a:t>多根大梁</a:t>
+            </a:r>
+            <a:endParaRPr lang="en-US" altLang="zh-TW" dirty="0"/>
+          </a:p>
+          <a:p>
+            <a:r>
+              <a:rPr lang="zh-TW" altLang="en-US" dirty="0"/>
               <a:t>從整體 </a:t>
             </a:r>
             <a:r>
-              <a:rPr lang="en-US" altLang="zh-TW" dirty="0" smtClean="0"/>
+              <a:rPr lang="en-US" altLang="zh-TW" dirty="0"/>
               <a:t>25%</a:t>
             </a:r>
             <a:r>
-              <a:rPr lang="zh-TW" altLang="en-US" dirty="0" smtClean="0"/>
+              <a:rPr lang="zh-TW" altLang="en-US" dirty="0"/>
               <a:t> 的效益下降到 </a:t>
             </a:r>
             <a:r>
-              <a:rPr lang="en-US" altLang="zh-TW" dirty="0" smtClean="0"/>
+              <a:rPr lang="en-US" altLang="zh-TW" dirty="0"/>
               <a:t>17%</a:t>
             </a:r>
             <a:r>
-              <a:rPr lang="zh-TW" altLang="en-US" dirty="0" smtClean="0"/>
+              <a:rPr lang="zh-TW" altLang="en-US" dirty="0"/>
               <a:t> </a:t>
             </a:r>
-            <a:endParaRPr lang="en-US" altLang="zh-TW" dirty="0" smtClean="0"/>
-          </a:p>
-          <a:p>
-            <a:r>
-              <a:rPr lang="zh-TW" altLang="en-US" dirty="0" smtClean="0"/>
+            <a:endParaRPr lang="en-US" altLang="zh-TW" dirty="0"/>
+          </a:p>
+          <a:p>
+            <a:r>
+              <a:rPr lang="zh-TW" altLang="en-US" dirty="0"/>
               <a:t>而如果考慮延伸長度那效率還會進一步下降</a:t>
             </a:r>
-            <a:endParaRPr lang="en-US" altLang="zh-TW" dirty="0" smtClean="0"/>
-          </a:p>
-          <a:p>
-            <a:r>
-              <a:rPr lang="zh-TW" altLang="en-US" dirty="0" smtClean="0"/>
+            <a:endParaRPr lang="en-US" altLang="zh-TW" dirty="0"/>
+          </a:p>
+          <a:p>
+            <a:r>
+              <a:rPr lang="zh-TW" altLang="en-US" dirty="0"/>
               <a:t>延伸長度：</a:t>
             </a:r>
             <a:r>
-              <a:rPr lang="en-US" altLang="zh-TW" dirty="0" smtClean="0"/>
+              <a:rPr lang="en-US" altLang="zh-TW" dirty="0"/>
               <a:t>6%</a:t>
             </a:r>
             <a:r>
-              <a:rPr lang="zh-TW" altLang="en-US" dirty="0" smtClean="0"/>
+              <a:rPr lang="zh-TW" altLang="en-US" dirty="0"/>
               <a:t> </a:t>
             </a:r>
             <a:r>
-              <a:rPr lang="en-US" altLang="zh-TW" dirty="0" smtClean="0"/>
+              <a:rPr lang="en-US" altLang="zh-TW" dirty="0"/>
               <a:t>3%</a:t>
             </a:r>
           </a:p>
           <a:p>
             <a:r>
-              <a:rPr lang="zh-TW" altLang="en-US" dirty="0" smtClean="0"/>
+              <a:rPr lang="zh-TW" altLang="en-US" dirty="0"/>
               <a:t>沒有延伸：</a:t>
             </a:r>
             <a:r>
-              <a:rPr lang="en-US" altLang="zh-TW" dirty="0" smtClean="0"/>
+              <a:rPr lang="en-US" altLang="zh-TW" dirty="0"/>
               <a:t>25% 17%</a:t>
             </a:r>
-            <a:endParaRPr lang="zh-TW" altLang="en-US" dirty="0" smtClean="0"/>
+            <a:endParaRPr lang="zh-TW" altLang="en-US" dirty="0"/>
           </a:p>
           <a:p>
             <a:endParaRPr lang="zh-TW" altLang="en-US" dirty="0"/>
@@ -4433,7 +4425,7 @@
           <a:p>
             <a:fld id="{4491071E-FC34-4ACC-9A4F-6878788FB266}" type="datetime1">
               <a:rPr lang="zh-TW" altLang="en-US" smtClean="0"/>
-              <a:t>2018/8/8</a:t>
+              <a:t>2018/8/16</a:t>
             </a:fld>
             <a:endParaRPr lang="zh-TW" altLang="en-US"/>
           </a:p>
@@ -4694,7 +4686,7 @@
           <a:p>
             <a:fld id="{88A7ECBC-A5B3-42B7-80C3-C64FB9D58F4B}" type="datetime1">
               <a:rPr lang="zh-TW" altLang="en-US" smtClean="0"/>
-              <a:t>2018/8/8</a:t>
+              <a:t>2018/8/16</a:t>
             </a:fld>
             <a:endParaRPr lang="zh-TW" altLang="en-US"/>
           </a:p>
@@ -4842,7 +4834,7 @@
           <a:p>
             <a:fld id="{627C1653-D1C1-4F56-A031-EF8B1944FED3}" type="datetime1">
               <a:rPr lang="zh-TW" altLang="en-US" smtClean="0"/>
-              <a:t>2018/8/8</a:t>
+              <a:t>2018/8/16</a:t>
             </a:fld>
             <a:endParaRPr lang="zh-TW" altLang="en-US"/>
           </a:p>
@@ -5076,7 +5068,7 @@
           <a:p>
             <a:fld id="{F92F55F2-BFE4-4AC5-9A3A-100090348EA5}" type="datetime1">
               <a:rPr lang="zh-TW" altLang="en-US" smtClean="0"/>
-              <a:t>2018/8/8</a:t>
+              <a:t>2018/8/16</a:t>
             </a:fld>
             <a:endParaRPr lang="zh-TW" altLang="en-US"/>
           </a:p>
@@ -5258,7 +5250,7 @@
           <a:p>
             <a:fld id="{E9E4335F-5450-4016-AF42-FD73345B0565}" type="datetime1">
               <a:rPr lang="zh-TW" altLang="en-US" smtClean="0"/>
-              <a:t>2018/8/8</a:t>
+              <a:t>2018/8/16</a:t>
             </a:fld>
             <a:endParaRPr lang="zh-TW" altLang="en-US"/>
           </a:p>
@@ -5514,7 +5506,7 @@
           <a:p>
             <a:fld id="{2C06D0C6-AF15-483B-A8F0-D6C1AF87C846}" type="datetime1">
               <a:rPr lang="zh-TW" altLang="en-US" smtClean="0"/>
-              <a:t>2018/8/8</a:t>
+              <a:t>2018/8/16</a:t>
             </a:fld>
             <a:endParaRPr lang="zh-TW" altLang="en-US"/>
           </a:p>
@@ -5758,7 +5750,7 @@
           <a:p>
             <a:fld id="{7D3D4E74-3333-4D5F-BC0F-67A2DF2CDDFA}" type="datetime1">
               <a:rPr lang="zh-TW" altLang="en-US" smtClean="0"/>
-              <a:t>2018/8/8</a:t>
+              <a:t>2018/8/16</a:t>
             </a:fld>
             <a:endParaRPr lang="zh-TW" altLang="en-US"/>
           </a:p>
@@ -6137,7 +6129,7 @@
           <a:p>
             <a:fld id="{4541DC37-B1EF-4480-B72D-5C55507BD319}" type="datetime1">
               <a:rPr lang="zh-TW" altLang="en-US" smtClean="0"/>
-              <a:t>2018/8/8</a:t>
+              <a:t>2018/8/16</a:t>
             </a:fld>
             <a:endParaRPr lang="zh-TW" altLang="en-US"/>
           </a:p>
@@ -6267,7 +6259,7 @@
           <a:p>
             <a:fld id="{30819F20-558B-4949-AF26-380C491CE13B}" type="datetime1">
               <a:rPr lang="zh-TW" altLang="en-US" smtClean="0"/>
-              <a:t>2018/8/8</a:t>
+              <a:t>2018/8/16</a:t>
             </a:fld>
             <a:endParaRPr lang="zh-TW" altLang="en-US"/>
           </a:p>
@@ -6450,7 +6442,7 @@
           <a:p>
             <a:fld id="{AAB7AFAE-AB0A-436A-8F6B-DB4A874C4BE5}" type="datetime1">
               <a:rPr lang="zh-TW" altLang="en-US" smtClean="0"/>
-              <a:t>2018/8/8</a:t>
+              <a:t>2018/8/16</a:t>
             </a:fld>
             <a:endParaRPr lang="zh-TW" altLang="en-US"/>
           </a:p>
@@ -6769,7 +6761,7 @@
           <a:p>
             <a:fld id="{16D5C682-8CFC-4A9E-99B7-6A8C30CAA6D3}" type="datetime1">
               <a:rPr lang="zh-TW" altLang="en-US" smtClean="0"/>
-              <a:t>2018/8/8</a:t>
+              <a:t>2018/8/16</a:t>
             </a:fld>
             <a:endParaRPr lang="zh-TW" altLang="en-US"/>
           </a:p>
@@ -7259,7 +7251,7 @@
           <a:p>
             <a:fld id="{629854EB-1813-429E-9449-E301728E3833}" type="datetime1">
               <a:rPr lang="zh-TW" altLang="en-US" smtClean="0"/>
-              <a:t>2018/8/8</a:t>
+              <a:t>2018/8/16</a:t>
             </a:fld>
             <a:endParaRPr lang="zh-TW" altLang="en-US"/>
           </a:p>
@@ -7488,7 +7480,7 @@
           <a:p>
             <a:fld id="{253510B8-31E3-4853-849A-576C914AB391}" type="datetime1">
               <a:rPr lang="zh-TW" altLang="en-US" smtClean="0"/>
-              <a:t>2018/8/8</a:t>
+              <a:t>2018/8/16</a:t>
             </a:fld>
             <a:endParaRPr lang="zh-TW" altLang="en-US"/>
           </a:p>
@@ -7766,7 +7758,7 @@
           <a:p>
             <a:fld id="{87AF36B1-98A9-4511-9E18-97BBE680BE66}" type="datetime1">
               <a:rPr lang="zh-TW" altLang="en-US" smtClean="0"/>
-              <a:t>2018/8/8</a:t>
+              <a:t>2018/8/16</a:t>
             </a:fld>
             <a:endParaRPr lang="zh-TW" altLang="en-US"/>
           </a:p>
@@ -7989,7 +7981,7 @@
           <a:p>
             <a:fld id="{9F8FAB93-2311-4A94-B31F-3E8A44E47734}" type="datetime1">
               <a:rPr lang="zh-TW" altLang="en-US" smtClean="0"/>
-              <a:t>2018/8/8</a:t>
+              <a:t>2018/8/16</a:t>
             </a:fld>
             <a:endParaRPr lang="zh-TW" altLang="en-US"/>
           </a:p>
@@ -8668,7 +8660,7 @@
           <a:p>
             <a:fld id="{B861AAC8-DA9B-4D73-B7A5-B720A4A5F874}" type="datetime1">
               <a:rPr lang="zh-TW" altLang="en-US" smtClean="0"/>
-              <a:t>2018/8/8</a:t>
+              <a:t>2018/8/16</a:t>
             </a:fld>
             <a:endParaRPr lang="zh-TW" altLang="en-US"/>
           </a:p>
@@ -8986,7 +8978,7 @@
           <a:p>
             <a:fld id="{3577A47B-687C-4E6F-A53E-B23B8B9EBEB6}" type="datetime1">
               <a:rPr lang="zh-TW" altLang="en-US" smtClean="0"/>
-              <a:t>2018/8/8</a:t>
+              <a:t>2018/8/16</a:t>
             </a:fld>
             <a:endParaRPr lang="zh-TW" altLang="en-US"/>
           </a:p>
@@ -9236,7 +9228,7 @@
           <a:p>
             <a:fld id="{7FE0C4A1-1B1A-4889-8F80-3971ECCB4403}" type="datetime1">
               <a:rPr lang="zh-TW" altLang="en-US" smtClean="0"/>
-              <a:t>2018/8/8</a:t>
+              <a:t>2018/8/16</a:t>
             </a:fld>
             <a:endParaRPr lang="zh-TW" altLang="en-US"/>
           </a:p>
@@ -9972,13 +9964,6 @@
       <p:transition/>
     </mc:Fallback>
   </mc:AlternateContent>
-  <p:timing>
-    <p:tnLst>
-      <p:par>
-        <p:cTn id="1" dur="indefinite" restart="never" nodeType="tmRoot"/>
-      </p:par>
-    </p:tnLst>
-  </p:timing>
 </p:sld>
 </file>
 
@@ -10385,13 +10370,6 @@
       </p:transition>
     </mc:Fallback>
   </mc:AlternateContent>
-  <p:timing>
-    <p:tnLst>
-      <p:par>
-        <p:cTn id="1" dur="indefinite" restart="never" nodeType="tmRoot"/>
-      </p:par>
-    </p:tnLst>
-  </p:timing>
 </p:sld>
 </file>
 
@@ -10557,13 +10535,6 @@
       </p:transition>
     </mc:Fallback>
   </mc:AlternateContent>
-  <p:timing>
-    <p:tnLst>
-      <p:par>
-        <p:cTn id="1" dur="indefinite" restart="never" nodeType="tmRoot"/>
-      </p:par>
-    </p:tnLst>
-  </p:timing>
 </p:sld>
 </file>
 
@@ -10885,13 +10856,6 @@
       </p:transition>
     </mc:Fallback>
   </mc:AlternateContent>
-  <p:timing>
-    <p:tnLst>
-      <p:par>
-        <p:cTn id="1" dur="indefinite" restart="never" nodeType="tmRoot"/>
-      </p:par>
-    </p:tnLst>
-  </p:timing>
 </p:sld>
 </file>
 
@@ -11231,13 +11195,6 @@
       </p:transition>
     </mc:Fallback>
   </mc:AlternateContent>
-  <p:timing>
-    <p:tnLst>
-      <p:par>
-        <p:cTn id="1" dur="indefinite" restart="never" nodeType="tmRoot"/>
-      </p:par>
-    </p:tnLst>
-  </p:timing>
 </p:sld>
 </file>
 
@@ -11379,13 +11336,6 @@
       </p:transition>
     </mc:Fallback>
   </mc:AlternateContent>
-  <p:timing>
-    <p:tnLst>
-      <p:par>
-        <p:cTn id="1" dur="indefinite" restart="never" nodeType="tmRoot"/>
-      </p:par>
-    </p:tnLst>
-  </p:timing>
 </p:sld>
 </file>
 
@@ -11527,13 +11477,6 @@
       </p:transition>
     </mc:Fallback>
   </mc:AlternateContent>
-  <p:timing>
-    <p:tnLst>
-      <p:par>
-        <p:cTn id="1" dur="indefinite" restart="never" nodeType="tmRoot"/>
-      </p:par>
-    </p:tnLst>
-  </p:timing>
 </p:sld>
 </file>
 
@@ -11675,13 +11618,6 @@
       </p:transition>
     </mc:Fallback>
   </mc:AlternateContent>
-  <p:timing>
-    <p:tnLst>
-      <p:par>
-        <p:cTn id="1" dur="indefinite" restart="never" nodeType="tmRoot"/>
-      </p:par>
-    </p:tnLst>
-  </p:timing>
 </p:sld>
 </file>
 
@@ -11852,7 +11788,7 @@
           <a:lstStyle/>
           <a:p>
             <a:r>
-              <a:rPr lang="en-US" altLang="zh-TW" dirty="0" smtClean="0"/>
+              <a:rPr lang="en-US" altLang="zh-TW" dirty="0"/>
               <a:t>Moment Diagram</a:t>
             </a:r>
             <a:endParaRPr lang="zh-TW" altLang="en-US" dirty="0"/>
@@ -11910,7 +11846,7 @@
           <a:lstStyle/>
           <a:p>
             <a:r>
-              <a:rPr lang="en-US" altLang="zh-TW" sz="2000" dirty="0" smtClean="0">
+              <a:rPr lang="en-US" altLang="zh-TW" sz="2000" dirty="0">
                 <a:solidFill>
                   <a:schemeClr val="accent1"/>
                 </a:solidFill>
@@ -11948,7 +11884,7 @@
           <a:lstStyle/>
           <a:p>
             <a:r>
-              <a:rPr lang="en-US" altLang="zh-TW" sz="2000" dirty="0" smtClean="0">
+              <a:rPr lang="en-US" altLang="zh-TW" sz="2000" dirty="0">
                 <a:solidFill>
                   <a:schemeClr val="accent2"/>
                 </a:solidFill>
@@ -11986,7 +11922,7 @@
           <a:lstStyle/>
           <a:p>
             <a:r>
-              <a:rPr lang="en-US" altLang="zh-TW" sz="2000" dirty="0" smtClean="0">
+              <a:rPr lang="en-US" altLang="zh-TW" sz="2000" dirty="0">
                 <a:solidFill>
                   <a:schemeClr val="accent1"/>
                 </a:solidFill>
@@ -12024,7 +11960,7 @@
           <a:lstStyle/>
           <a:p>
             <a:r>
-              <a:rPr lang="en-US" altLang="zh-TW" sz="2000" dirty="0" smtClean="0">
+              <a:rPr lang="en-US" altLang="zh-TW" sz="2000" dirty="0">
                 <a:solidFill>
                   <a:schemeClr val="accent2"/>
                 </a:solidFill>
@@ -12062,7 +11998,7 @@
           <a:lstStyle/>
           <a:p>
             <a:r>
-              <a:rPr lang="en-US" altLang="zh-TW" dirty="0" smtClean="0"/>
+              <a:rPr lang="en-US" altLang="zh-TW" dirty="0"/>
               <a:t>Three Points</a:t>
             </a:r>
             <a:endParaRPr lang="zh-TW" altLang="en-US" dirty="0"/>
@@ -12092,7 +12028,7 @@
           <a:lstStyle/>
           <a:p>
             <a:r>
-              <a:rPr lang="en-US" altLang="zh-TW" sz="2000" dirty="0" smtClean="0">
+              <a:rPr lang="en-US" altLang="zh-TW" sz="2000" dirty="0">
                 <a:solidFill>
                   <a:schemeClr val="accent1"/>
                 </a:solidFill>
@@ -12130,7 +12066,7 @@
           <a:lstStyle/>
           <a:p>
             <a:r>
-              <a:rPr lang="en-US" altLang="zh-TW" sz="2000" dirty="0" smtClean="0">
+              <a:rPr lang="en-US" altLang="zh-TW" sz="2000" dirty="0">
                 <a:solidFill>
                   <a:schemeClr val="accent2"/>
                 </a:solidFill>
@@ -13196,13 +13132,6 @@
       </p:transition>
     </mc:Fallback>
   </mc:AlternateContent>
-  <p:timing>
-    <p:tnLst>
-      <p:par>
-        <p:cTn id="1" dur="indefinite" restart="never" nodeType="tmRoot"/>
-      </p:par>
-    </p:tnLst>
-  </p:timing>
 </p:sld>
 </file>
 
@@ -13223,70 +13152,12 @@
           <a:chExt cx="0" cy="0"/>
         </a:xfrm>
       </p:grpSpPr>
-      <p:sp>
-        <p:nvSpPr>
-          <p:cNvPr id="2" name="文字版面配置區 1">
+      <p:pic>
+        <p:nvPicPr>
+          <p:cNvPr id="18" name="圖片 17">
             <a:extLst>
               <a:ext uri="{FF2B5EF4-FFF2-40B4-BE49-F238E27FC236}">
-                <a16:creationId xmlns:a16="http://schemas.microsoft.com/office/drawing/2014/main" id="{74D6904D-45E1-4A89-AB20-DEE9FD73837F}"/>
-              </a:ext>
-            </a:extLst>
-          </p:cNvPr>
-          <p:cNvSpPr>
-            <a:spLocks noGrp="1"/>
-          </p:cNvSpPr>
-          <p:nvPr>
-            <p:ph type="body" sz="quarter" idx="10"/>
-          </p:nvPr>
-        </p:nvSpPr>
-        <p:spPr/>
-        <p:txBody>
-          <a:bodyPr/>
-          <a:lstStyle/>
-          <a:p>
-            <a:r>
-              <a:rPr lang="en-US" altLang="zh-TW" dirty="0"/>
-              <a:t>Gravity Demand</a:t>
-            </a:r>
-            <a:endParaRPr lang="zh-TW" altLang="en-US" dirty="0"/>
-          </a:p>
-        </p:txBody>
-      </p:sp>
-      <p:sp>
-        <p:nvSpPr>
-          <p:cNvPr id="3" name="投影片編號版面配置區 2">
-            <a:extLst>
-              <a:ext uri="{FF2B5EF4-FFF2-40B4-BE49-F238E27FC236}">
-                <a16:creationId xmlns:a16="http://schemas.microsoft.com/office/drawing/2014/main" id="{584E7663-CCAA-466A-BB89-3E5BFEF8702A}"/>
-              </a:ext>
-            </a:extLst>
-          </p:cNvPr>
-          <p:cNvSpPr>
-            <a:spLocks noGrp="1"/>
-          </p:cNvSpPr>
-          <p:nvPr>
-            <p:ph type="sldNum" sz="quarter" idx="13"/>
-          </p:nvPr>
-        </p:nvSpPr>
-        <p:spPr/>
-        <p:txBody>
-          <a:bodyPr/>
-          <a:lstStyle/>
-          <a:p>
-            <a:fld id="{2DDD7CF1-F89F-4FD9-B1E5-7228A8EA728A}" type="slidenum">
-              <a:rPr lang="zh-TW" altLang="en-US" smtClean="0"/>
-              <a:t>19</a:t>
-            </a:fld>
-            <a:endParaRPr lang="zh-TW" altLang="en-US"/>
-          </a:p>
-        </p:txBody>
-      </p:sp>
-      <p:pic>
-        <p:nvPicPr>
-          <p:cNvPr id="4" name="圖片 3">
-            <a:extLst>
-              <a:ext uri="{FF2B5EF4-FFF2-40B4-BE49-F238E27FC236}">
-                <a16:creationId xmlns:a16="http://schemas.microsoft.com/office/drawing/2014/main" id="{43C3C35A-0751-439B-B883-7C639A445E2F}"/>
+                <a16:creationId xmlns:a16="http://schemas.microsoft.com/office/drawing/2014/main" id="{128D4579-5C15-40CD-BBF2-BB737CA0D230}"/>
               </a:ext>
             </a:extLst>
           </p:cNvPr>
@@ -13303,7 +13174,7 @@
         </p:blipFill>
         <p:spPr>
           <a:xfrm>
-            <a:off x="0" y="1753543"/>
+            <a:off x="0" y="1753541"/>
             <a:ext cx="4572000" cy="3423939"/>
           </a:xfrm>
           <a:prstGeom prst="rect">
@@ -13311,6 +13182,64 @@
           </a:prstGeom>
         </p:spPr>
       </p:pic>
+      <p:sp>
+        <p:nvSpPr>
+          <p:cNvPr id="2" name="文字版面配置區 1">
+            <a:extLst>
+              <a:ext uri="{FF2B5EF4-FFF2-40B4-BE49-F238E27FC236}">
+                <a16:creationId xmlns:a16="http://schemas.microsoft.com/office/drawing/2014/main" id="{74D6904D-45E1-4A89-AB20-DEE9FD73837F}"/>
+              </a:ext>
+            </a:extLst>
+          </p:cNvPr>
+          <p:cNvSpPr>
+            <a:spLocks noGrp="1"/>
+          </p:cNvSpPr>
+          <p:nvPr>
+            <p:ph type="body" sz="quarter" idx="10"/>
+          </p:nvPr>
+        </p:nvSpPr>
+        <p:spPr/>
+        <p:txBody>
+          <a:bodyPr/>
+          <a:lstStyle/>
+          <a:p>
+            <a:r>
+              <a:rPr lang="en-US" altLang="zh-TW" dirty="0"/>
+              <a:t>Gravity Demand</a:t>
+            </a:r>
+            <a:endParaRPr lang="zh-TW" altLang="en-US" dirty="0"/>
+          </a:p>
+        </p:txBody>
+      </p:sp>
+      <p:sp>
+        <p:nvSpPr>
+          <p:cNvPr id="3" name="投影片編號版面配置區 2">
+            <a:extLst>
+              <a:ext uri="{FF2B5EF4-FFF2-40B4-BE49-F238E27FC236}">
+                <a16:creationId xmlns:a16="http://schemas.microsoft.com/office/drawing/2014/main" id="{584E7663-CCAA-466A-BB89-3E5BFEF8702A}"/>
+              </a:ext>
+            </a:extLst>
+          </p:cNvPr>
+          <p:cNvSpPr>
+            <a:spLocks noGrp="1"/>
+          </p:cNvSpPr>
+          <p:nvPr>
+            <p:ph type="sldNum" sz="quarter" idx="13"/>
+          </p:nvPr>
+        </p:nvSpPr>
+        <p:spPr/>
+        <p:txBody>
+          <a:bodyPr/>
+          <a:lstStyle/>
+          <a:p>
+            <a:fld id="{2DDD7CF1-F89F-4FD9-B1E5-7228A8EA728A}" type="slidenum">
+              <a:rPr lang="zh-TW" altLang="en-US" smtClean="0"/>
+              <a:t>19</a:t>
+            </a:fld>
+            <a:endParaRPr lang="zh-TW" altLang="en-US"/>
+          </a:p>
+        </p:txBody>
+      </p:sp>
       <p:pic>
         <p:nvPicPr>
           <p:cNvPr id="6" name="圖片 5">
@@ -13341,6 +13270,639 @@
           </a:prstGeom>
         </p:spPr>
       </p:pic>
+      <p:sp>
+        <p:nvSpPr>
+          <p:cNvPr id="7" name="文字方塊 6">
+            <a:extLst>
+              <a:ext uri="{FF2B5EF4-FFF2-40B4-BE49-F238E27FC236}">
+                <a16:creationId xmlns:a16="http://schemas.microsoft.com/office/drawing/2014/main" id="{16036E07-0852-452F-A490-8E52C394138A}"/>
+              </a:ext>
+            </a:extLst>
+          </p:cNvPr>
+          <p:cNvSpPr txBox="1"/>
+          <p:nvPr/>
+        </p:nvSpPr>
+        <p:spPr>
+          <a:xfrm>
+            <a:off x="1243608" y="5425440"/>
+            <a:ext cx="2133600" cy="369332"/>
+          </a:xfrm>
+          <a:prstGeom prst="rect">
+            <a:avLst/>
+          </a:prstGeom>
+          <a:noFill/>
+        </p:spPr>
+        <p:txBody>
+          <a:bodyPr wrap="square" rtlCol="0">
+            <a:spAutoFit/>
+          </a:bodyPr>
+          <a:lstStyle/>
+          <a:p>
+            <a:r>
+              <a:rPr lang="en-US" altLang="zh-TW" dirty="0"/>
+              <a:t>GIVEN</a:t>
+            </a:r>
+            <a:r>
+              <a:rPr lang="zh-TW" altLang="en-US" dirty="0"/>
+              <a:t> </a:t>
+            </a:r>
+            <a:r>
+              <a:rPr lang="en-US" altLang="zh-TW" dirty="0"/>
+              <a:t>Information</a:t>
+            </a:r>
+          </a:p>
+        </p:txBody>
+      </p:sp>
+      <p:sp>
+        <p:nvSpPr>
+          <p:cNvPr id="8" name="文字方塊 7">
+            <a:extLst>
+              <a:ext uri="{FF2B5EF4-FFF2-40B4-BE49-F238E27FC236}">
+                <a16:creationId xmlns:a16="http://schemas.microsoft.com/office/drawing/2014/main" id="{48F01B63-27BD-43F7-884E-1E824C6B3F94}"/>
+              </a:ext>
+            </a:extLst>
+          </p:cNvPr>
+          <p:cNvSpPr txBox="1"/>
+          <p:nvPr/>
+        </p:nvSpPr>
+        <p:spPr>
+          <a:xfrm>
+            <a:off x="5791200" y="5421428"/>
+            <a:ext cx="2133600" cy="646331"/>
+          </a:xfrm>
+          <a:prstGeom prst="rect">
+            <a:avLst/>
+          </a:prstGeom>
+          <a:noFill/>
+        </p:spPr>
+        <p:txBody>
+          <a:bodyPr wrap="square" rtlCol="0">
+            <a:spAutoFit/>
+          </a:bodyPr>
+          <a:lstStyle/>
+          <a:p>
+            <a:r>
+              <a:rPr lang="en-US" altLang="zh-TW" dirty="0"/>
+              <a:t>Reverse Engineering</a:t>
+            </a:r>
+          </a:p>
+          <a:p>
+            <a:r>
+              <a:rPr lang="en-US" altLang="zh-TW" dirty="0">
+                <a:sym typeface="Wingdings" panose="05000000000000000000" pitchFamily="2" charset="2"/>
+              </a:rPr>
+              <a:t> </a:t>
+            </a:r>
+            <a:r>
+              <a:rPr lang="en-US" altLang="zh-TW" dirty="0"/>
+              <a:t>Actual Demand</a:t>
+            </a:r>
+          </a:p>
+        </p:txBody>
+      </p:sp>
+      <p:sp>
+        <p:nvSpPr>
+          <p:cNvPr id="11" name="文字方塊 10">
+            <a:extLst>
+              <a:ext uri="{FF2B5EF4-FFF2-40B4-BE49-F238E27FC236}">
+                <a16:creationId xmlns:a16="http://schemas.microsoft.com/office/drawing/2014/main" id="{6245E6BE-F5D1-493F-9182-278E8AECD8BA}"/>
+              </a:ext>
+            </a:extLst>
+          </p:cNvPr>
+          <p:cNvSpPr txBox="1"/>
+          <p:nvPr/>
+        </p:nvSpPr>
+        <p:spPr>
+          <a:xfrm>
+            <a:off x="629841" y="2209800"/>
+            <a:ext cx="1101007" cy="369332"/>
+          </a:xfrm>
+          <a:prstGeom prst="rect">
+            <a:avLst/>
+          </a:prstGeom>
+          <a:noFill/>
+        </p:spPr>
+        <p:txBody>
+          <a:bodyPr wrap="none" rtlCol="0">
+            <a:spAutoFit/>
+          </a:bodyPr>
+          <a:lstStyle/>
+          <a:p>
+            <a:r>
+              <a:rPr lang="en-US" altLang="zh-TW" dirty="0">
+                <a:solidFill>
+                  <a:schemeClr val="accent1"/>
+                </a:solidFill>
+              </a:rPr>
+              <a:t>TOP LEFT</a:t>
+            </a:r>
+            <a:endParaRPr lang="zh-TW" altLang="en-US" dirty="0">
+              <a:solidFill>
+                <a:schemeClr val="accent1"/>
+              </a:solidFill>
+            </a:endParaRPr>
+          </a:p>
+        </p:txBody>
+      </p:sp>
+      <p:sp>
+        <p:nvSpPr>
+          <p:cNvPr id="12" name="文字方塊 11">
+            <a:extLst>
+              <a:ext uri="{FF2B5EF4-FFF2-40B4-BE49-F238E27FC236}">
+                <a16:creationId xmlns:a16="http://schemas.microsoft.com/office/drawing/2014/main" id="{2D8CED36-D196-453C-9629-E8B518C93945}"/>
+              </a:ext>
+            </a:extLst>
+          </p:cNvPr>
+          <p:cNvSpPr txBox="1"/>
+          <p:nvPr/>
+        </p:nvSpPr>
+        <p:spPr>
+          <a:xfrm>
+            <a:off x="2857861" y="2209800"/>
+            <a:ext cx="1260666" cy="369332"/>
+          </a:xfrm>
+          <a:prstGeom prst="rect">
+            <a:avLst/>
+          </a:prstGeom>
+          <a:noFill/>
+        </p:spPr>
+        <p:txBody>
+          <a:bodyPr wrap="none" rtlCol="0">
+            <a:spAutoFit/>
+          </a:bodyPr>
+          <a:lstStyle/>
+          <a:p>
+            <a:r>
+              <a:rPr lang="en-US" altLang="zh-TW" dirty="0">
+                <a:solidFill>
+                  <a:schemeClr val="accent1"/>
+                </a:solidFill>
+              </a:rPr>
+              <a:t>TOP RIGHT</a:t>
+            </a:r>
+            <a:endParaRPr lang="zh-TW" altLang="en-US" dirty="0">
+              <a:solidFill>
+                <a:schemeClr val="accent1"/>
+              </a:solidFill>
+            </a:endParaRPr>
+          </a:p>
+        </p:txBody>
+      </p:sp>
+      <p:sp>
+        <p:nvSpPr>
+          <p:cNvPr id="13" name="文字方塊 12">
+            <a:extLst>
+              <a:ext uri="{FF2B5EF4-FFF2-40B4-BE49-F238E27FC236}">
+                <a16:creationId xmlns:a16="http://schemas.microsoft.com/office/drawing/2014/main" id="{304CF9B9-2C75-4332-98C4-A96FB108EA7A}"/>
+              </a:ext>
+            </a:extLst>
+          </p:cNvPr>
+          <p:cNvSpPr txBox="1"/>
+          <p:nvPr/>
+        </p:nvSpPr>
+        <p:spPr>
+          <a:xfrm>
+            <a:off x="629841" y="4094203"/>
+            <a:ext cx="1101007" cy="369332"/>
+          </a:xfrm>
+          <a:prstGeom prst="rect">
+            <a:avLst/>
+          </a:prstGeom>
+          <a:noFill/>
+        </p:spPr>
+        <p:txBody>
+          <a:bodyPr wrap="none" rtlCol="0">
+            <a:spAutoFit/>
+          </a:bodyPr>
+          <a:lstStyle/>
+          <a:p>
+            <a:r>
+              <a:rPr lang="en-US" altLang="zh-TW" dirty="0">
+                <a:solidFill>
+                  <a:schemeClr val="accent1"/>
+                </a:solidFill>
+              </a:rPr>
+              <a:t>BOT LEFT</a:t>
+            </a:r>
+            <a:endParaRPr lang="zh-TW" altLang="en-US" dirty="0">
+              <a:solidFill>
+                <a:schemeClr val="accent1"/>
+              </a:solidFill>
+            </a:endParaRPr>
+          </a:p>
+        </p:txBody>
+      </p:sp>
+      <p:sp>
+        <p:nvSpPr>
+          <p:cNvPr id="14" name="文字方塊 13">
+            <a:extLst>
+              <a:ext uri="{FF2B5EF4-FFF2-40B4-BE49-F238E27FC236}">
+                <a16:creationId xmlns:a16="http://schemas.microsoft.com/office/drawing/2014/main" id="{D689A234-E941-40EC-9C11-42B4DCC8836B}"/>
+              </a:ext>
+            </a:extLst>
+          </p:cNvPr>
+          <p:cNvSpPr txBox="1"/>
+          <p:nvPr/>
+        </p:nvSpPr>
+        <p:spPr>
+          <a:xfrm>
+            <a:off x="2857861" y="4095989"/>
+            <a:ext cx="1260666" cy="369332"/>
+          </a:xfrm>
+          <a:prstGeom prst="rect">
+            <a:avLst/>
+          </a:prstGeom>
+          <a:noFill/>
+        </p:spPr>
+        <p:txBody>
+          <a:bodyPr wrap="none" rtlCol="0">
+            <a:spAutoFit/>
+          </a:bodyPr>
+          <a:lstStyle/>
+          <a:p>
+            <a:r>
+              <a:rPr lang="en-US" altLang="zh-TW" dirty="0">
+                <a:solidFill>
+                  <a:schemeClr val="accent1"/>
+                </a:solidFill>
+              </a:rPr>
+              <a:t>BOT RIGHT</a:t>
+            </a:r>
+            <a:endParaRPr lang="zh-TW" altLang="en-US" dirty="0">
+              <a:solidFill>
+                <a:schemeClr val="accent1"/>
+              </a:solidFill>
+            </a:endParaRPr>
+          </a:p>
+        </p:txBody>
+      </p:sp>
+      <p:sp>
+        <p:nvSpPr>
+          <p:cNvPr id="15" name="文字方塊 14">
+            <a:extLst>
+              <a:ext uri="{FF2B5EF4-FFF2-40B4-BE49-F238E27FC236}">
+                <a16:creationId xmlns:a16="http://schemas.microsoft.com/office/drawing/2014/main" id="{2F401190-C09E-403C-B9D0-7D881B32FD0F}"/>
+              </a:ext>
+            </a:extLst>
+          </p:cNvPr>
+          <p:cNvSpPr txBox="1"/>
+          <p:nvPr/>
+        </p:nvSpPr>
+        <p:spPr>
+          <a:xfrm>
+            <a:off x="1413005" y="2966443"/>
+            <a:ext cx="1745991" cy="369332"/>
+          </a:xfrm>
+          <a:prstGeom prst="rect">
+            <a:avLst/>
+          </a:prstGeom>
+          <a:noFill/>
+        </p:spPr>
+        <p:txBody>
+          <a:bodyPr wrap="none" rtlCol="0">
+            <a:spAutoFit/>
+          </a:bodyPr>
+          <a:lstStyle/>
+          <a:p>
+            <a:r>
+              <a:rPr lang="en-US" altLang="zh-TW" dirty="0">
+                <a:solidFill>
+                  <a:schemeClr val="accent1"/>
+                </a:solidFill>
+              </a:rPr>
+              <a:t>Gravity Demand</a:t>
+            </a:r>
+          </a:p>
+        </p:txBody>
+      </p:sp>
+      <p:sp>
+        <p:nvSpPr>
+          <p:cNvPr id="16" name="文字方塊 15">
+            <a:extLst>
+              <a:ext uri="{FF2B5EF4-FFF2-40B4-BE49-F238E27FC236}">
+                <a16:creationId xmlns:a16="http://schemas.microsoft.com/office/drawing/2014/main" id="{C94F4D6F-7868-4CA4-B6A5-50225EC43C91}"/>
+              </a:ext>
+            </a:extLst>
+          </p:cNvPr>
+          <p:cNvSpPr txBox="1"/>
+          <p:nvPr/>
+        </p:nvSpPr>
+        <p:spPr>
+          <a:xfrm>
+            <a:off x="5667161" y="3930815"/>
+            <a:ext cx="1366080" cy="369332"/>
+          </a:xfrm>
+          <a:prstGeom prst="rect">
+            <a:avLst/>
+          </a:prstGeom>
+          <a:noFill/>
+        </p:spPr>
+        <p:txBody>
+          <a:bodyPr wrap="none" rtlCol="0">
+            <a:spAutoFit/>
+          </a:bodyPr>
+          <a:lstStyle/>
+          <a:p>
+            <a:r>
+              <a:rPr lang="en-US" altLang="zh-TW" dirty="0">
+                <a:solidFill>
+                  <a:schemeClr val="accent2"/>
+                </a:solidFill>
+              </a:rPr>
+              <a:t>EQ Demand</a:t>
+            </a:r>
+          </a:p>
+        </p:txBody>
+      </p:sp>
+      <p:sp>
+        <p:nvSpPr>
+          <p:cNvPr id="17" name="文字方塊 16">
+            <a:extLst>
+              <a:ext uri="{FF2B5EF4-FFF2-40B4-BE49-F238E27FC236}">
+                <a16:creationId xmlns:a16="http://schemas.microsoft.com/office/drawing/2014/main" id="{EF9D4260-C6B1-4CFC-A351-6F2E1E8A4BC5}"/>
+              </a:ext>
+            </a:extLst>
+          </p:cNvPr>
+          <p:cNvSpPr txBox="1"/>
+          <p:nvPr/>
+        </p:nvSpPr>
+        <p:spPr>
+          <a:xfrm>
+            <a:off x="5547360" y="2267107"/>
+            <a:ext cx="1237839" cy="369332"/>
+          </a:xfrm>
+          <a:prstGeom prst="rect">
+            <a:avLst/>
+          </a:prstGeom>
+          <a:noFill/>
+        </p:spPr>
+        <p:txBody>
+          <a:bodyPr wrap="none" rtlCol="0">
+            <a:spAutoFit/>
+          </a:bodyPr>
+          <a:lstStyle/>
+          <a:p>
+            <a:r>
+              <a:rPr lang="en-US" altLang="zh-TW" dirty="0"/>
+              <a:t>Linear Add</a:t>
+            </a:r>
+            <a:endParaRPr lang="zh-TW" altLang="en-US" dirty="0"/>
+          </a:p>
+        </p:txBody>
+      </p:sp>
+      <p:sp>
+        <p:nvSpPr>
+          <p:cNvPr id="19" name="文字方塊 18">
+            <a:extLst>
+              <a:ext uri="{FF2B5EF4-FFF2-40B4-BE49-F238E27FC236}">
+                <a16:creationId xmlns:a16="http://schemas.microsoft.com/office/drawing/2014/main" id="{0555B7D8-0C83-44F9-A26F-34DD418ECC56}"/>
+              </a:ext>
+            </a:extLst>
+          </p:cNvPr>
+          <p:cNvSpPr txBox="1"/>
+          <p:nvPr/>
+        </p:nvSpPr>
+        <p:spPr>
+          <a:xfrm>
+            <a:off x="651994" y="2448730"/>
+            <a:ext cx="1056700" cy="276999"/>
+          </a:xfrm>
+          <a:prstGeom prst="rect">
+            <a:avLst/>
+          </a:prstGeom>
+          <a:noFill/>
+        </p:spPr>
+        <p:txBody>
+          <a:bodyPr wrap="none" rtlCol="0">
+            <a:spAutoFit/>
+          </a:bodyPr>
+          <a:lstStyle/>
+          <a:p>
+            <a:r>
+              <a:rPr lang="en-US" altLang="zh-TW" sz="1200" dirty="0"/>
+              <a:t>(EQ Demand)</a:t>
+            </a:r>
+          </a:p>
+        </p:txBody>
+      </p:sp>
+      <p:sp>
+        <p:nvSpPr>
+          <p:cNvPr id="20" name="文字方塊 19">
+            <a:extLst>
+              <a:ext uri="{FF2B5EF4-FFF2-40B4-BE49-F238E27FC236}">
+                <a16:creationId xmlns:a16="http://schemas.microsoft.com/office/drawing/2014/main" id="{59161A09-84D3-4890-82E2-C7215F943811}"/>
+              </a:ext>
+            </a:extLst>
+          </p:cNvPr>
+          <p:cNvSpPr txBox="1"/>
+          <p:nvPr/>
+        </p:nvSpPr>
+        <p:spPr>
+          <a:xfrm>
+            <a:off x="2959844" y="2448730"/>
+            <a:ext cx="1056700" cy="276999"/>
+          </a:xfrm>
+          <a:prstGeom prst="rect">
+            <a:avLst/>
+          </a:prstGeom>
+          <a:noFill/>
+        </p:spPr>
+        <p:txBody>
+          <a:bodyPr wrap="none" rtlCol="0">
+            <a:spAutoFit/>
+          </a:bodyPr>
+          <a:lstStyle/>
+          <a:p>
+            <a:r>
+              <a:rPr lang="en-US" altLang="zh-TW" sz="1200" dirty="0"/>
+              <a:t>(EQ Demand)</a:t>
+            </a:r>
+          </a:p>
+        </p:txBody>
+      </p:sp>
+      <p:sp>
+        <p:nvSpPr>
+          <p:cNvPr id="21" name="文字方塊 20">
+            <a:extLst>
+              <a:ext uri="{FF2B5EF4-FFF2-40B4-BE49-F238E27FC236}">
+                <a16:creationId xmlns:a16="http://schemas.microsoft.com/office/drawing/2014/main" id="{4C60C9E0-E16E-407F-BACC-699657A45D12}"/>
+              </a:ext>
+            </a:extLst>
+          </p:cNvPr>
+          <p:cNvSpPr txBox="1"/>
+          <p:nvPr/>
+        </p:nvSpPr>
+        <p:spPr>
+          <a:xfrm>
+            <a:off x="646016" y="4325035"/>
+            <a:ext cx="1056700" cy="276999"/>
+          </a:xfrm>
+          <a:prstGeom prst="rect">
+            <a:avLst/>
+          </a:prstGeom>
+          <a:noFill/>
+        </p:spPr>
+        <p:txBody>
+          <a:bodyPr wrap="none" rtlCol="0">
+            <a:spAutoFit/>
+          </a:bodyPr>
+          <a:lstStyle/>
+          <a:p>
+            <a:r>
+              <a:rPr lang="en-US" altLang="zh-TW" sz="1200" dirty="0"/>
+              <a:t>(EQ Demand)</a:t>
+            </a:r>
+          </a:p>
+        </p:txBody>
+      </p:sp>
+      <p:sp>
+        <p:nvSpPr>
+          <p:cNvPr id="22" name="文字方塊 21">
+            <a:extLst>
+              <a:ext uri="{FF2B5EF4-FFF2-40B4-BE49-F238E27FC236}">
+                <a16:creationId xmlns:a16="http://schemas.microsoft.com/office/drawing/2014/main" id="{E8B5BEE4-076C-48A8-83B0-836A22C3D086}"/>
+              </a:ext>
+            </a:extLst>
+          </p:cNvPr>
+          <p:cNvSpPr txBox="1"/>
+          <p:nvPr/>
+        </p:nvSpPr>
+        <p:spPr>
+          <a:xfrm>
+            <a:off x="2932016" y="4330869"/>
+            <a:ext cx="1056700" cy="276999"/>
+          </a:xfrm>
+          <a:prstGeom prst="rect">
+            <a:avLst/>
+          </a:prstGeom>
+          <a:noFill/>
+        </p:spPr>
+        <p:txBody>
+          <a:bodyPr wrap="none" rtlCol="0">
+            <a:spAutoFit/>
+          </a:bodyPr>
+          <a:lstStyle/>
+          <a:p>
+            <a:r>
+              <a:rPr lang="en-US" altLang="zh-TW" sz="1200" dirty="0"/>
+              <a:t>(EQ Demand)</a:t>
+            </a:r>
+          </a:p>
+        </p:txBody>
+      </p:sp>
+      <p:pic>
+        <p:nvPicPr>
+          <p:cNvPr id="23" name="圖片 22">
+            <a:extLst>
+              <a:ext uri="{FF2B5EF4-FFF2-40B4-BE49-F238E27FC236}">
+                <a16:creationId xmlns:a16="http://schemas.microsoft.com/office/drawing/2014/main" id="{073C035E-EC29-4723-A844-FFDBF8D4C2DB}"/>
+              </a:ext>
+            </a:extLst>
+          </p:cNvPr>
+          <p:cNvPicPr>
+            <a:picLocks noChangeAspect="1"/>
+          </p:cNvPicPr>
+          <p:nvPr/>
+        </p:nvPicPr>
+        <p:blipFill>
+          <a:blip r:embed="rId5"/>
+          <a:stretch>
+            <a:fillRect/>
+          </a:stretch>
+        </p:blipFill>
+        <p:spPr>
+          <a:xfrm>
+            <a:off x="4572000" y="1753539"/>
+            <a:ext cx="4572000" cy="3423939"/>
+          </a:xfrm>
+          <a:prstGeom prst="rect">
+            <a:avLst/>
+          </a:prstGeom>
+        </p:spPr>
+      </p:pic>
+      <p:sp>
+        <p:nvSpPr>
+          <p:cNvPr id="24" name="文字方塊 23">
+            <a:extLst>
+              <a:ext uri="{FF2B5EF4-FFF2-40B4-BE49-F238E27FC236}">
+                <a16:creationId xmlns:a16="http://schemas.microsoft.com/office/drawing/2014/main" id="{AD3AE71D-0D9F-448E-8E6D-A5C881209181}"/>
+              </a:ext>
+            </a:extLst>
+          </p:cNvPr>
+          <p:cNvSpPr txBox="1"/>
+          <p:nvPr/>
+        </p:nvSpPr>
+        <p:spPr>
+          <a:xfrm>
+            <a:off x="5662997" y="3930811"/>
+            <a:ext cx="1366080" cy="369332"/>
+          </a:xfrm>
+          <a:prstGeom prst="rect">
+            <a:avLst/>
+          </a:prstGeom>
+          <a:noFill/>
+        </p:spPr>
+        <p:txBody>
+          <a:bodyPr wrap="none" rtlCol="0">
+            <a:spAutoFit/>
+          </a:bodyPr>
+          <a:lstStyle/>
+          <a:p>
+            <a:r>
+              <a:rPr lang="en-US" altLang="zh-TW" dirty="0">
+                <a:solidFill>
+                  <a:schemeClr val="accent2"/>
+                </a:solidFill>
+              </a:rPr>
+              <a:t>EQ Demand</a:t>
+            </a:r>
+          </a:p>
+        </p:txBody>
+      </p:sp>
+      <p:sp>
+        <p:nvSpPr>
+          <p:cNvPr id="25" name="文字方塊 24">
+            <a:extLst>
+              <a:ext uri="{FF2B5EF4-FFF2-40B4-BE49-F238E27FC236}">
+                <a16:creationId xmlns:a16="http://schemas.microsoft.com/office/drawing/2014/main" id="{2583AC79-D491-4C5A-BE38-01CC9DF8EF40}"/>
+              </a:ext>
+            </a:extLst>
+          </p:cNvPr>
+          <p:cNvSpPr txBox="1"/>
+          <p:nvPr/>
+        </p:nvSpPr>
+        <p:spPr>
+          <a:xfrm>
+            <a:off x="5543196" y="2267103"/>
+            <a:ext cx="1237839" cy="369332"/>
+          </a:xfrm>
+          <a:prstGeom prst="rect">
+            <a:avLst/>
+          </a:prstGeom>
+          <a:noFill/>
+        </p:spPr>
+        <p:txBody>
+          <a:bodyPr wrap="none" rtlCol="0">
+            <a:spAutoFit/>
+          </a:bodyPr>
+          <a:lstStyle/>
+          <a:p>
+            <a:r>
+              <a:rPr lang="en-US" altLang="zh-TW" dirty="0">
+                <a:solidFill>
+                  <a:schemeClr val="accent3"/>
+                </a:solidFill>
+              </a:rPr>
+              <a:t>Linear Add</a:t>
+            </a:r>
+            <a:endParaRPr lang="zh-TW" altLang="en-US" dirty="0">
+              <a:solidFill>
+                <a:schemeClr val="accent3"/>
+              </a:solidFill>
+            </a:endParaRPr>
+          </a:p>
+        </p:txBody>
+      </p:sp>
     </p:spTree>
     <p:extLst>
       <p:ext uri="{BB962C8B-B14F-4D97-AF65-F5344CB8AC3E}">
@@ -13363,13 +13925,6 @@
       </p:transition>
     </mc:Fallback>
   </mc:AlternateContent>
-  <p:timing>
-    <p:tnLst>
-      <p:par>
-        <p:cTn id="1" dur="indefinite" restart="never" nodeType="tmRoot"/>
-      </p:par>
-    </p:tnLst>
-  </p:timing>
 </p:sld>
 </file>
 
@@ -14047,13 +14602,6 @@
       </p:transition>
     </mc:Fallback>
   </mc:AlternateContent>
-  <p:timing>
-    <p:tnLst>
-      <p:par>
-        <p:cTn id="1" dur="indefinite" restart="never" nodeType="tmRoot"/>
-      </p:par>
-    </p:tnLst>
-  </p:timing>
 </p:sld>
 </file>
 
@@ -14718,13 +15266,6 @@
       </p:transition>
     </mc:Fallback>
   </mc:AlternateContent>
-  <p:timing>
-    <p:tnLst>
-      <p:par>
-        <p:cTn id="1" dur="indefinite" restart="never" nodeType="tmRoot"/>
-      </p:par>
-    </p:tnLst>
-  </p:timing>
 </p:sld>
 </file>
 
@@ -14886,13 +15427,6 @@
       </p:transition>
     </mc:Fallback>
   </mc:AlternateContent>
-  <p:timing>
-    <p:tnLst>
-      <p:par>
-        <p:cTn id="1" dur="indefinite" restart="never" nodeType="tmRoot"/>
-      </p:par>
-    </p:tnLst>
-  </p:timing>
 </p:sld>
 </file>
 
@@ -15738,18 +16272,13 @@
           <a:lstStyle/>
           <a:p>
             <a:r>
-              <a:rPr lang="fr-FR" sz="2100" dirty="0" smtClean="0">
+              <a:rPr lang="fr-FR" sz="2100" dirty="0">
                 <a:solidFill>
                   <a:schemeClr val="accent1"/>
                 </a:solidFill>
               </a:rPr>
               <a:t>10/2018</a:t>
             </a:r>
-            <a:endParaRPr lang="fr-FR" sz="2100" dirty="0">
-              <a:solidFill>
-                <a:schemeClr val="accent1"/>
-              </a:solidFill>
-            </a:endParaRPr>
           </a:p>
         </p:txBody>
       </p:sp>
@@ -15898,10 +16427,9 @@
           </a:lstStyle>
           <a:p>
             <a:r>
-              <a:rPr lang="fr-FR" sz="2100" dirty="0" smtClean="0"/>
+              <a:rPr lang="fr-FR" sz="2100" dirty="0"/>
               <a:t>11/2018</a:t>
             </a:r>
-            <a:endParaRPr lang="fr-FR" sz="2100" dirty="0"/>
           </a:p>
         </p:txBody>
       </p:sp>
@@ -16035,13 +16563,6 @@
       </p:transition>
     </mc:Fallback>
   </mc:AlternateContent>
-  <p:timing>
-    <p:tnLst>
-      <p:par>
-        <p:cTn id="1" dur="indefinite" restart="never" nodeType="tmRoot"/>
-      </p:par>
-    </p:tnLst>
-  </p:timing>
 </p:sld>
 </file>
 
@@ -16912,13 +17433,6 @@
       </p:transition>
     </mc:Fallback>
   </mc:AlternateContent>
-  <p:timing>
-    <p:tnLst>
-      <p:par>
-        <p:cTn id="1" dur="indefinite" restart="never" nodeType="tmRoot"/>
-      </p:par>
-    </p:tnLst>
-  </p:timing>
 </p:sld>
 </file>
 
@@ -17948,13 +18462,6 @@
       </p:transition>
     </mc:Fallback>
   </mc:AlternateContent>
-  <p:timing>
-    <p:tnLst>
-      <p:par>
-        <p:cTn id="1" dur="indefinite" restart="never" nodeType="tmRoot"/>
-      </p:par>
-    </p:tnLst>
-  </p:timing>
 </p:sld>
 </file>
 
@@ -18368,13 +18875,6 @@
       </p:transition>
     </mc:Fallback>
   </mc:AlternateContent>
-  <p:timing>
-    <p:tnLst>
-      <p:par>
-        <p:cTn id="1" dur="indefinite" restart="never" nodeType="tmRoot"/>
-      </p:par>
-    </p:tnLst>
-  </p:timing>
 </p:sld>
 </file>
 
@@ -18607,13 +19107,6 @@
       </p:transition>
     </mc:Fallback>
   </mc:AlternateContent>
-  <p:timing>
-    <p:tnLst>
-      <p:par>
-        <p:cTn id="1" dur="indefinite" restart="never" nodeType="tmRoot"/>
-      </p:par>
-    </p:tnLst>
-  </p:timing>
 </p:sld>
 </file>
 
@@ -18783,6 +19276,226 @@
           </a:prstGeom>
         </p:spPr>
       </p:pic>
+      <p:sp>
+        <p:nvSpPr>
+          <p:cNvPr id="3" name="文字方塊 2">
+            <a:extLst>
+              <a:ext uri="{FF2B5EF4-FFF2-40B4-BE49-F238E27FC236}">
+                <a16:creationId xmlns:a16="http://schemas.microsoft.com/office/drawing/2014/main" id="{8377D516-ABE1-40DF-9557-A85FFD0BB3F8}"/>
+              </a:ext>
+            </a:extLst>
+          </p:cNvPr>
+          <p:cNvSpPr txBox="1"/>
+          <p:nvPr/>
+        </p:nvSpPr>
+        <p:spPr>
+          <a:xfrm>
+            <a:off x="1797813" y="5593530"/>
+            <a:ext cx="1467261" cy="369332"/>
+          </a:xfrm>
+          <a:prstGeom prst="rect">
+            <a:avLst/>
+          </a:prstGeom>
+          <a:noFill/>
+        </p:spPr>
+        <p:txBody>
+          <a:bodyPr wrap="none" rtlCol="0">
+            <a:spAutoFit/>
+          </a:bodyPr>
+          <a:lstStyle/>
+          <a:p>
+            <a:r>
+              <a:rPr lang="en-US" altLang="zh-TW" dirty="0">
+                <a:solidFill>
+                  <a:schemeClr val="accent2"/>
+                </a:solidFill>
+              </a:rPr>
+              <a:t>Overestimate</a:t>
+            </a:r>
+            <a:endParaRPr lang="zh-TW" altLang="en-US" dirty="0">
+              <a:solidFill>
+                <a:schemeClr val="accent2"/>
+              </a:solidFill>
+            </a:endParaRPr>
+          </a:p>
+        </p:txBody>
+      </p:sp>
+      <p:sp>
+        <p:nvSpPr>
+          <p:cNvPr id="8" name="文字方塊 7">
+            <a:extLst>
+              <a:ext uri="{FF2B5EF4-FFF2-40B4-BE49-F238E27FC236}">
+                <a16:creationId xmlns:a16="http://schemas.microsoft.com/office/drawing/2014/main" id="{76573625-AEA7-46B8-86DC-0883AEF2BE5E}"/>
+              </a:ext>
+            </a:extLst>
+          </p:cNvPr>
+          <p:cNvSpPr txBox="1"/>
+          <p:nvPr/>
+        </p:nvSpPr>
+        <p:spPr>
+          <a:xfrm>
+            <a:off x="2470529" y="5851370"/>
+            <a:ext cx="1589089" cy="369332"/>
+          </a:xfrm>
+          <a:prstGeom prst="rect">
+            <a:avLst/>
+          </a:prstGeom>
+          <a:noFill/>
+        </p:spPr>
+        <p:txBody>
+          <a:bodyPr wrap="none" rtlCol="0">
+            <a:spAutoFit/>
+          </a:bodyPr>
+          <a:lstStyle/>
+          <a:p>
+            <a:r>
+              <a:rPr lang="en-US" altLang="zh-TW" dirty="0">
+                <a:solidFill>
+                  <a:schemeClr val="accent1"/>
+                </a:solidFill>
+              </a:rPr>
+              <a:t>Underestimate</a:t>
+            </a:r>
+            <a:endParaRPr lang="zh-TW" altLang="en-US" dirty="0">
+              <a:solidFill>
+                <a:schemeClr val="accent1"/>
+              </a:solidFill>
+            </a:endParaRPr>
+          </a:p>
+        </p:txBody>
+      </p:sp>
+      <p:sp>
+        <p:nvSpPr>
+          <p:cNvPr id="4" name="文字方塊 3">
+            <a:extLst>
+              <a:ext uri="{FF2B5EF4-FFF2-40B4-BE49-F238E27FC236}">
+                <a16:creationId xmlns:a16="http://schemas.microsoft.com/office/drawing/2014/main" id="{BBD04A48-97A3-4EF6-B5A0-34EE850FBF12}"/>
+              </a:ext>
+            </a:extLst>
+          </p:cNvPr>
+          <p:cNvSpPr txBox="1"/>
+          <p:nvPr/>
+        </p:nvSpPr>
+        <p:spPr>
+          <a:xfrm>
+            <a:off x="1598719" y="425004"/>
+            <a:ext cx="1666354" cy="646331"/>
+          </a:xfrm>
+          <a:prstGeom prst="rect">
+            <a:avLst/>
+          </a:prstGeom>
+          <a:noFill/>
+        </p:spPr>
+        <p:txBody>
+          <a:bodyPr wrap="none" rtlCol="0">
+            <a:spAutoFit/>
+          </a:bodyPr>
+          <a:lstStyle/>
+          <a:p>
+            <a:pPr algn="ctr"/>
+            <a:r>
+              <a:rPr lang="en-US" altLang="zh-TW" dirty="0"/>
+              <a:t>TOP</a:t>
+            </a:r>
+          </a:p>
+          <a:p>
+            <a:pPr algn="ctr"/>
+            <a:r>
+              <a:rPr lang="en-US" altLang="zh-TW" dirty="0"/>
+              <a:t>OPTIMIZATION</a:t>
+            </a:r>
+            <a:endParaRPr lang="zh-TW" altLang="en-US" dirty="0"/>
+          </a:p>
+        </p:txBody>
+      </p:sp>
+      <p:sp>
+        <p:nvSpPr>
+          <p:cNvPr id="10" name="文字方塊 9">
+            <a:extLst>
+              <a:ext uri="{FF2B5EF4-FFF2-40B4-BE49-F238E27FC236}">
+                <a16:creationId xmlns:a16="http://schemas.microsoft.com/office/drawing/2014/main" id="{C848FF71-9DB7-4C1E-9582-2BE017156824}"/>
+              </a:ext>
+            </a:extLst>
+          </p:cNvPr>
+          <p:cNvSpPr txBox="1"/>
+          <p:nvPr/>
+        </p:nvSpPr>
+        <p:spPr>
+          <a:xfrm>
+            <a:off x="6132581" y="2213138"/>
+            <a:ext cx="1666354" cy="646331"/>
+          </a:xfrm>
+          <a:prstGeom prst="rect">
+            <a:avLst/>
+          </a:prstGeom>
+          <a:noFill/>
+        </p:spPr>
+        <p:txBody>
+          <a:bodyPr wrap="none" rtlCol="0">
+            <a:spAutoFit/>
+          </a:bodyPr>
+          <a:lstStyle/>
+          <a:p>
+            <a:pPr algn="ctr"/>
+            <a:r>
+              <a:rPr lang="en-US" altLang="zh-TW" dirty="0"/>
+              <a:t>BOT</a:t>
+            </a:r>
+          </a:p>
+          <a:p>
+            <a:pPr algn="ctr"/>
+            <a:r>
+              <a:rPr lang="en-US" altLang="zh-TW" dirty="0"/>
+              <a:t>OPTIMIZATION</a:t>
+            </a:r>
+            <a:endParaRPr lang="zh-TW" altLang="en-US" dirty="0"/>
+          </a:p>
+        </p:txBody>
+      </p:sp>
+      <p:sp>
+        <p:nvSpPr>
+          <p:cNvPr id="12" name="文字方塊 11">
+            <a:extLst>
+              <a:ext uri="{FF2B5EF4-FFF2-40B4-BE49-F238E27FC236}">
+                <a16:creationId xmlns:a16="http://schemas.microsoft.com/office/drawing/2014/main" id="{51CD2391-D68D-459A-A98A-45E2E673E551}"/>
+              </a:ext>
+            </a:extLst>
+          </p:cNvPr>
+          <p:cNvSpPr txBox="1"/>
+          <p:nvPr/>
+        </p:nvSpPr>
+        <p:spPr>
+          <a:xfrm>
+            <a:off x="6132581" y="5637075"/>
+            <a:ext cx="1666354" cy="646331"/>
+          </a:xfrm>
+          <a:prstGeom prst="rect">
+            <a:avLst/>
+          </a:prstGeom>
+          <a:noFill/>
+        </p:spPr>
+        <p:txBody>
+          <a:bodyPr wrap="none" rtlCol="0">
+            <a:spAutoFit/>
+          </a:bodyPr>
+          <a:lstStyle/>
+          <a:p>
+            <a:pPr algn="ctr"/>
+            <a:r>
+              <a:rPr lang="en-US" altLang="zh-TW" dirty="0"/>
+              <a:t>BOT</a:t>
+            </a:r>
+          </a:p>
+          <a:p>
+            <a:pPr algn="ctr"/>
+            <a:r>
+              <a:rPr lang="en-US" altLang="zh-TW" dirty="0"/>
+              <a:t>OPTIMIZATION</a:t>
+            </a:r>
+            <a:endParaRPr lang="zh-TW" altLang="en-US" dirty="0"/>
+          </a:p>
+        </p:txBody>
+      </p:sp>
     </p:spTree>
     <p:extLst>
       <p:ext uri="{BB962C8B-B14F-4D97-AF65-F5344CB8AC3E}">
@@ -18805,13 +19518,6 @@
       </p:transition>
     </mc:Fallback>
   </mc:AlternateContent>
-  <p:timing>
-    <p:tnLst>
-      <p:par>
-        <p:cTn id="1" dur="indefinite" restart="never" nodeType="tmRoot"/>
-      </p:par>
-    </p:tnLst>
-  </p:timing>
 </p:sld>
 </file>
 
@@ -18954,13 +19660,6 @@
       </p:transition>
     </mc:Fallback>
   </mc:AlternateContent>
-  <p:timing>
-    <p:tnLst>
-      <p:par>
-        <p:cTn id="1" dur="indefinite" restart="never" nodeType="tmRoot"/>
-      </p:par>
-    </p:tnLst>
-  </p:timing>
 </p:sld>
 </file>
 
@@ -19990,13 +20689,6 @@
       </p:transition>
     </mc:Fallback>
   </mc:AlternateContent>
-  <p:timing>
-    <p:tnLst>
-      <p:par>
-        <p:cTn id="1" dur="indefinite" restart="never" nodeType="tmRoot"/>
-      </p:par>
-    </p:tnLst>
-  </p:timing>
 </p:sld>
 </file>
 

--- a/20180126_SmartSplice/20180823_Meeting/SmartSplice.pptx
+++ b/20180126_SmartSplice/20180823_Meeting/SmartSplice.pptx
@@ -11,9 +11,9 @@
     <p:sldId id="270" r:id="rId2"/>
     <p:sldId id="257" r:id="rId3"/>
     <p:sldId id="336" r:id="rId4"/>
-    <p:sldId id="264" r:id="rId5"/>
-    <p:sldId id="356" r:id="rId6"/>
-    <p:sldId id="357" r:id="rId7"/>
+    <p:sldId id="356" r:id="rId5"/>
+    <p:sldId id="357" r:id="rId6"/>
+    <p:sldId id="264" r:id="rId7"/>
     <p:sldId id="280" r:id="rId8"/>
     <p:sldId id="332" r:id="rId9"/>
     <p:sldId id="333" r:id="rId10"/>
@@ -144,9 +144,9 @@
         <p14:section name="Solution" id="{A551B479-8CA7-45C9-A068-7977E2FBC882}">
           <p14:sldIdLst>
             <p14:sldId id="336"/>
-            <p14:sldId id="264"/>
             <p14:sldId id="356"/>
             <p14:sldId id="357"/>
+            <p14:sldId id="264"/>
             <p14:sldId id="280"/>
             <p14:sldId id="332"/>
             <p14:sldId id="333"/>
@@ -2863,7 +2863,7 @@
           <a:p>
             <a:fld id="{F03889CD-42F6-46D3-8774-76AD4E143C79}" type="datetimeFigureOut">
               <a:rPr lang="zh-TW" altLang="en-US" smtClean="0"/>
-              <a:t>2018/8/21</a:t>
+              <a:t>2018/8/23</a:t>
             </a:fld>
             <a:endParaRPr lang="zh-TW" altLang="en-US"/>
           </a:p>
@@ -5723,7 +5723,7 @@
           <a:p>
             <a:fld id="{70B22B0D-1CA7-4298-B4CD-04A0716BCB99}" type="slidenum">
               <a:rPr lang="zh-TW" altLang="en-US" smtClean="0"/>
-              <a:t>4</a:t>
+              <a:t>6</a:t>
             </a:fld>
             <a:endParaRPr lang="zh-TW" altLang="en-US"/>
           </a:p>
@@ -7095,7 +7095,7 @@
           <a:p>
             <a:fld id="{4491071E-FC34-4ACC-9A4F-6878788FB266}" type="datetime1">
               <a:rPr lang="zh-TW" altLang="en-US" smtClean="0"/>
-              <a:t>2018/8/21</a:t>
+              <a:t>2018/8/23</a:t>
             </a:fld>
             <a:endParaRPr lang="zh-TW" altLang="en-US"/>
           </a:p>
@@ -7356,7 +7356,7 @@
           <a:p>
             <a:fld id="{88A7ECBC-A5B3-42B7-80C3-C64FB9D58F4B}" type="datetime1">
               <a:rPr lang="zh-TW" altLang="en-US" smtClean="0"/>
-              <a:t>2018/8/21</a:t>
+              <a:t>2018/8/23</a:t>
             </a:fld>
             <a:endParaRPr lang="zh-TW" altLang="en-US"/>
           </a:p>
@@ -7504,7 +7504,7 @@
           <a:p>
             <a:fld id="{627C1653-D1C1-4F56-A031-EF8B1944FED3}" type="datetime1">
               <a:rPr lang="zh-TW" altLang="en-US" smtClean="0"/>
-              <a:t>2018/8/21</a:t>
+              <a:t>2018/8/23</a:t>
             </a:fld>
             <a:endParaRPr lang="zh-TW" altLang="en-US"/>
           </a:p>
@@ -7738,7 +7738,7 @@
           <a:p>
             <a:fld id="{F92F55F2-BFE4-4AC5-9A3A-100090348EA5}" type="datetime1">
               <a:rPr lang="zh-TW" altLang="en-US" smtClean="0"/>
-              <a:t>2018/8/21</a:t>
+              <a:t>2018/8/23</a:t>
             </a:fld>
             <a:endParaRPr lang="zh-TW" altLang="en-US"/>
           </a:p>
@@ -7920,7 +7920,7 @@
           <a:p>
             <a:fld id="{E9E4335F-5450-4016-AF42-FD73345B0565}" type="datetime1">
               <a:rPr lang="zh-TW" altLang="en-US" smtClean="0"/>
-              <a:t>2018/8/21</a:t>
+              <a:t>2018/8/23</a:t>
             </a:fld>
             <a:endParaRPr lang="zh-TW" altLang="en-US"/>
           </a:p>
@@ -8176,7 +8176,7 @@
           <a:p>
             <a:fld id="{2C06D0C6-AF15-483B-A8F0-D6C1AF87C846}" type="datetime1">
               <a:rPr lang="zh-TW" altLang="en-US" smtClean="0"/>
-              <a:t>2018/8/21</a:t>
+              <a:t>2018/8/23</a:t>
             </a:fld>
             <a:endParaRPr lang="zh-TW" altLang="en-US"/>
           </a:p>
@@ -8420,7 +8420,7 @@
           <a:p>
             <a:fld id="{7D3D4E74-3333-4D5F-BC0F-67A2DF2CDDFA}" type="datetime1">
               <a:rPr lang="zh-TW" altLang="en-US" smtClean="0"/>
-              <a:t>2018/8/21</a:t>
+              <a:t>2018/8/23</a:t>
             </a:fld>
             <a:endParaRPr lang="zh-TW" altLang="en-US"/>
           </a:p>
@@ -8799,7 +8799,7 @@
           <a:p>
             <a:fld id="{4541DC37-B1EF-4480-B72D-5C55507BD319}" type="datetime1">
               <a:rPr lang="zh-TW" altLang="en-US" smtClean="0"/>
-              <a:t>2018/8/21</a:t>
+              <a:t>2018/8/23</a:t>
             </a:fld>
             <a:endParaRPr lang="zh-TW" altLang="en-US"/>
           </a:p>
@@ -8929,7 +8929,7 @@
           <a:p>
             <a:fld id="{30819F20-558B-4949-AF26-380C491CE13B}" type="datetime1">
               <a:rPr lang="zh-TW" altLang="en-US" smtClean="0"/>
-              <a:t>2018/8/21</a:t>
+              <a:t>2018/8/23</a:t>
             </a:fld>
             <a:endParaRPr lang="zh-TW" altLang="en-US"/>
           </a:p>
@@ -9112,7 +9112,7 @@
           <a:p>
             <a:fld id="{AAB7AFAE-AB0A-436A-8F6B-DB4A874C4BE5}" type="datetime1">
               <a:rPr lang="zh-TW" altLang="en-US" smtClean="0"/>
-              <a:t>2018/8/21</a:t>
+              <a:t>2018/8/23</a:t>
             </a:fld>
             <a:endParaRPr lang="zh-TW" altLang="en-US"/>
           </a:p>
@@ -9431,7 +9431,7 @@
           <a:p>
             <a:fld id="{16D5C682-8CFC-4A9E-99B7-6A8C30CAA6D3}" type="datetime1">
               <a:rPr lang="zh-TW" altLang="en-US" smtClean="0"/>
-              <a:t>2018/8/21</a:t>
+              <a:t>2018/8/23</a:t>
             </a:fld>
             <a:endParaRPr lang="zh-TW" altLang="en-US"/>
           </a:p>
@@ -9921,7 +9921,7 @@
           <a:p>
             <a:fld id="{629854EB-1813-429E-9449-E301728E3833}" type="datetime1">
               <a:rPr lang="zh-TW" altLang="en-US" smtClean="0"/>
-              <a:t>2018/8/21</a:t>
+              <a:t>2018/8/23</a:t>
             </a:fld>
             <a:endParaRPr lang="zh-TW" altLang="en-US"/>
           </a:p>
@@ -10150,7 +10150,7 @@
           <a:p>
             <a:fld id="{253510B8-31E3-4853-849A-576C914AB391}" type="datetime1">
               <a:rPr lang="zh-TW" altLang="en-US" smtClean="0"/>
-              <a:t>2018/8/21</a:t>
+              <a:t>2018/8/23</a:t>
             </a:fld>
             <a:endParaRPr lang="zh-TW" altLang="en-US"/>
           </a:p>
@@ -10428,7 +10428,7 @@
           <a:p>
             <a:fld id="{87AF36B1-98A9-4511-9E18-97BBE680BE66}" type="datetime1">
               <a:rPr lang="zh-TW" altLang="en-US" smtClean="0"/>
-              <a:t>2018/8/21</a:t>
+              <a:t>2018/8/23</a:t>
             </a:fld>
             <a:endParaRPr lang="zh-TW" altLang="en-US"/>
           </a:p>
@@ -10651,7 +10651,7 @@
           <a:p>
             <a:fld id="{9F8FAB93-2311-4A94-B31F-3E8A44E47734}" type="datetime1">
               <a:rPr lang="zh-TW" altLang="en-US" smtClean="0"/>
-              <a:t>2018/8/21</a:t>
+              <a:t>2018/8/23</a:t>
             </a:fld>
             <a:endParaRPr lang="zh-TW" altLang="en-US"/>
           </a:p>
@@ -11330,7 +11330,7 @@
           <a:p>
             <a:fld id="{B861AAC8-DA9B-4D73-B7A5-B720A4A5F874}" type="datetime1">
               <a:rPr lang="zh-TW" altLang="en-US" smtClean="0"/>
-              <a:t>2018/8/21</a:t>
+              <a:t>2018/8/23</a:t>
             </a:fld>
             <a:endParaRPr lang="zh-TW" altLang="en-US"/>
           </a:p>
@@ -11648,7 +11648,7 @@
           <a:p>
             <a:fld id="{3577A47B-687C-4E6F-A53E-B23B8B9EBEB6}" type="datetime1">
               <a:rPr lang="zh-TW" altLang="en-US" smtClean="0"/>
-              <a:t>2018/8/21</a:t>
+              <a:t>2018/8/23</a:t>
             </a:fld>
             <a:endParaRPr lang="zh-TW" altLang="en-US"/>
           </a:p>
@@ -11898,7 +11898,7 @@
           <a:p>
             <a:fld id="{7FE0C4A1-1B1A-4889-8F80-3971ECCB4403}" type="datetime1">
               <a:rPr lang="zh-TW" altLang="en-US" smtClean="0"/>
-              <a:t>2018/8/21</a:t>
+              <a:t>2018/8/23</a:t>
             </a:fld>
             <a:endParaRPr lang="zh-TW" altLang="en-US"/>
           </a:p>
@@ -12628,10 +12628,10 @@
   </p:clrMapOvr>
   <mc:AlternateContent xmlns:mc="http://schemas.openxmlformats.org/markup-compatibility/2006">
     <mc:Choice xmlns:p14="http://schemas.microsoft.com/office/powerpoint/2010/main" Requires="p14">
-      <p:transition p14:dur="0" advTm="22288"/>
+      <p:transition p14:dur="0"/>
     </mc:Choice>
     <mc:Fallback>
-      <p:transition advTm="22288"/>
+      <p:transition/>
     </mc:Fallback>
   </mc:AlternateContent>
   <p:timing>
@@ -12691,7 +12691,6 @@
               <a:rPr lang="en-US" altLang="zh-TW" dirty="0"/>
               <a:t>MOMENT DIAGRAM SUMMARY</a:t>
             </a:r>
-            <a:endParaRPr lang="en-US" altLang="zh-TW" dirty="0"/>
           </a:p>
         </p:txBody>
       </p:sp>
@@ -12766,12 +12765,12 @@
   </p:clrMapOvr>
   <mc:AlternateContent xmlns:mc="http://schemas.openxmlformats.org/markup-compatibility/2006">
     <mc:Choice xmlns:p14="http://schemas.microsoft.com/office/powerpoint/2010/main" Requires="p14">
-      <p:transition spd="med" p14:dur="700" advTm="28504">
+      <p:transition spd="med" p14:dur="700">
         <p:fade/>
       </p:transition>
     </mc:Choice>
     <mc:Fallback>
-      <p:transition spd="med" advTm="28504">
+      <p:transition spd="med">
         <p:fade/>
       </p:transition>
     </mc:Fallback>
@@ -12832,10 +12831,6 @@
               </a:rPr>
               <a:t>MOMENT DIAGRAM</a:t>
             </a:r>
-            <a:endParaRPr lang="fr-FR" sz="1500" dirty="0">
-              <a:latin typeface="Segoe UI Light" panose="020B0502040204020203" pitchFamily="34" charset="0"/>
-              <a:cs typeface="Segoe UI Light" panose="020B0502040204020203" pitchFamily="34" charset="0"/>
-            </a:endParaRPr>
           </a:p>
         </p:txBody>
       </p:sp>
@@ -13469,10 +13464,6 @@
               </a:rPr>
               <a:t>TENSION DEVELOPMENT LENGTH</a:t>
             </a:r>
-            <a:endParaRPr lang="fr-FR" sz="1500" dirty="0">
-              <a:latin typeface="Segoe UI Light" panose="020B0502040204020203" pitchFamily="34" charset="0"/>
-              <a:cs typeface="Segoe UI Light" panose="020B0502040204020203" pitchFamily="34" charset="0"/>
-            </a:endParaRPr>
           </a:p>
         </p:txBody>
       </p:sp>
@@ -13505,10 +13496,6 @@
               </a:rPr>
               <a:t>GRAVITY DEMAND</a:t>
             </a:r>
-            <a:endParaRPr lang="fr-FR" sz="1500" dirty="0">
-              <a:latin typeface="Segoe UI Light" panose="020B0502040204020203" pitchFamily="34" charset="0"/>
-              <a:cs typeface="Segoe UI Light" panose="020B0502040204020203" pitchFamily="34" charset="0"/>
-            </a:endParaRPr>
           </a:p>
         </p:txBody>
       </p:sp>
@@ -13587,10 +13574,6 @@
               </a:rPr>
               <a:t>POINTS</a:t>
             </a:r>
-            <a:endParaRPr lang="en-US" sz="1500" dirty="0">
-              <a:latin typeface="Segoe UI Light" panose="020B0502040204020203" pitchFamily="34" charset="0"/>
-              <a:cs typeface="Segoe UI Light" panose="020B0502040204020203" pitchFamily="34" charset="0"/>
-            </a:endParaRPr>
           </a:p>
         </p:txBody>
       </p:sp>
@@ -13832,12 +13815,12 @@
   </p:clrMapOvr>
   <mc:AlternateContent xmlns:mc="http://schemas.openxmlformats.org/markup-compatibility/2006">
     <mc:Choice xmlns:p14="http://schemas.microsoft.com/office/powerpoint/2010/main" Requires="p14">
-      <p:transition spd="med" p14:dur="700" advTm="7141">
+      <p:transition spd="med" p14:dur="700">
         <p:fade/>
       </p:transition>
     </mc:Choice>
     <mc:Fallback>
-      <p:transition spd="med" advTm="7141">
+      <p:transition spd="med">
         <p:fade/>
       </p:transition>
     </mc:Fallback>
@@ -14100,13 +14083,6 @@
               </a:rPr>
               <a:t>SIMPLIFIED PROVISIONS</a:t>
             </a:r>
-            <a:endParaRPr lang="fr-FR" sz="2100" dirty="0">
-              <a:solidFill>
-                <a:schemeClr val="accent1"/>
-              </a:solidFill>
-              <a:latin typeface="Segoe UI Light" panose="020B0502040204020203" pitchFamily="34" charset="0"/>
-              <a:cs typeface="Segoe UI Light" panose="020B0502040204020203" pitchFamily="34" charset="0"/>
-            </a:endParaRPr>
           </a:p>
         </p:txBody>
       </p:sp>
@@ -14149,13 +14125,6 @@
               </a:rPr>
               <a:t>GENERAL DEVELOPMENT LENGTH EQUATION</a:t>
             </a:r>
-            <a:endParaRPr lang="fr-FR" sz="2100" dirty="0">
-              <a:solidFill>
-                <a:schemeClr val="accent3"/>
-              </a:solidFill>
-              <a:latin typeface="Segoe UI Light" panose="020B0502040204020203" pitchFamily="34" charset="0"/>
-              <a:cs typeface="Segoe UI Light" panose="020B0502040204020203" pitchFamily="34" charset="0"/>
-            </a:endParaRPr>
           </a:p>
         </p:txBody>
       </p:sp>
@@ -14259,12 +14228,12 @@
   </p:clrMapOvr>
   <mc:AlternateContent xmlns:mc="http://schemas.openxmlformats.org/markup-compatibility/2006">
     <mc:Choice xmlns:p14="http://schemas.microsoft.com/office/powerpoint/2010/main" Requires="p14">
-      <p:transition spd="med" p14:dur="700" advTm="43604">
+      <p:transition spd="med" p14:dur="700">
         <p:fade/>
       </p:transition>
     </mc:Choice>
     <mc:Fallback>
-      <p:transition spd="med" advTm="43604">
+      <p:transition spd="med">
         <p:fade/>
       </p:transition>
     </mc:Fallback>
@@ -14325,10 +14294,6 @@
               </a:rPr>
               <a:t>MOMENT DIAGRAM</a:t>
             </a:r>
-            <a:endParaRPr lang="fr-FR" sz="1500" dirty="0">
-              <a:latin typeface="Segoe UI Light" panose="020B0502040204020203" pitchFamily="34" charset="0"/>
-              <a:cs typeface="Segoe UI Light" panose="020B0502040204020203" pitchFamily="34" charset="0"/>
-            </a:endParaRPr>
           </a:p>
         </p:txBody>
       </p:sp>
@@ -14962,10 +14927,6 @@
               </a:rPr>
               <a:t>TENSION DEVELOPMENT LENGTH</a:t>
             </a:r>
-            <a:endParaRPr lang="fr-FR" sz="1500" dirty="0">
-              <a:latin typeface="Segoe UI Light" panose="020B0502040204020203" pitchFamily="34" charset="0"/>
-              <a:cs typeface="Segoe UI Light" panose="020B0502040204020203" pitchFamily="34" charset="0"/>
-            </a:endParaRPr>
           </a:p>
         </p:txBody>
       </p:sp>
@@ -14998,10 +14959,6 @@
               </a:rPr>
               <a:t>GRAVITY DEMAND</a:t>
             </a:r>
-            <a:endParaRPr lang="fr-FR" sz="1500" dirty="0">
-              <a:latin typeface="Segoe UI Light" panose="020B0502040204020203" pitchFamily="34" charset="0"/>
-              <a:cs typeface="Segoe UI Light" panose="020B0502040204020203" pitchFamily="34" charset="0"/>
-            </a:endParaRPr>
           </a:p>
         </p:txBody>
       </p:sp>
@@ -15080,10 +15037,6 @@
               </a:rPr>
               <a:t>POINTS</a:t>
             </a:r>
-            <a:endParaRPr lang="en-US" sz="1500" dirty="0">
-              <a:latin typeface="Segoe UI Light" panose="020B0502040204020203" pitchFamily="34" charset="0"/>
-              <a:cs typeface="Segoe UI Light" panose="020B0502040204020203" pitchFamily="34" charset="0"/>
-            </a:endParaRPr>
           </a:p>
         </p:txBody>
       </p:sp>
@@ -15325,12 +15278,12 @@
   </p:clrMapOvr>
   <mc:AlternateContent xmlns:mc="http://schemas.openxmlformats.org/markup-compatibility/2006">
     <mc:Choice xmlns:p14="http://schemas.microsoft.com/office/powerpoint/2010/main" Requires="p14">
-      <p:transition spd="med" p14:dur="700" advTm="17805">
+      <p:transition spd="med" p14:dur="700">
         <p:fade/>
       </p:transition>
     </mc:Choice>
     <mc:Fallback>
-      <p:transition spd="med" advTm="17805">
+      <p:transition spd="med">
         <p:fade/>
       </p:transition>
     </mc:Fallback>
@@ -15422,7 +15375,6 @@
               <a:rPr lang="en-US" altLang="zh-TW" dirty="0"/>
               <a:t>GRAVITY DEMAND</a:t>
             </a:r>
-            <a:endParaRPr lang="en-US" altLang="zh-TW" dirty="0"/>
           </a:p>
         </p:txBody>
       </p:sp>
@@ -15518,7 +15470,6 @@
               <a:rPr lang="en-US" altLang="zh-TW" dirty="0"/>
               <a:t>GIVEN INFORMATION</a:t>
             </a:r>
-            <a:endParaRPr lang="en-US" altLang="zh-TW" dirty="0"/>
           </a:p>
         </p:txBody>
       </p:sp>
@@ -15572,7 +15523,6 @@
               <a:rPr lang="en-US" altLang="zh-TW" dirty="0"/>
               <a:t>ACTUAL DEMAND</a:t>
             </a:r>
-            <a:endParaRPr lang="en-US" altLang="zh-TW" dirty="0"/>
           </a:p>
         </p:txBody>
       </p:sp>
@@ -15788,11 +15738,6 @@
               </a:rPr>
               <a:t>GRAVITY DEMAND</a:t>
             </a:r>
-            <a:endParaRPr lang="en-US" altLang="zh-TW" dirty="0">
-              <a:solidFill>
-                <a:schemeClr val="accent1"/>
-              </a:solidFill>
-            </a:endParaRPr>
           </a:p>
         </p:txBody>
       </p:sp>
@@ -16116,11 +16061,6 @@
               </a:rPr>
               <a:t>LINEAR ADD</a:t>
             </a:r>
-            <a:endParaRPr lang="en-US" altLang="zh-TW" dirty="0">
-              <a:solidFill>
-                <a:schemeClr val="accent3"/>
-              </a:solidFill>
-            </a:endParaRPr>
           </a:p>
         </p:txBody>
       </p:sp>
@@ -16136,12 +16076,12 @@
   </p:clrMapOvr>
   <mc:AlternateContent xmlns:mc="http://schemas.openxmlformats.org/markup-compatibility/2006">
     <mc:Choice xmlns:p14="http://schemas.microsoft.com/office/powerpoint/2010/main" Requires="p14">
-      <p:transition spd="med" p14:dur="700" advTm="38175">
+      <p:transition spd="med" p14:dur="700">
         <p:fade/>
       </p:transition>
     </mc:Choice>
     <mc:Fallback>
-      <p:transition spd="med" advTm="38175">
+      <p:transition spd="med">
         <p:fade/>
       </p:transition>
     </mc:Fallback>
@@ -16203,7 +16143,6 @@
               <a:rPr lang="en-US" altLang="zh-TW" dirty="0"/>
               <a:t>GRAVITY DEMAND</a:t>
             </a:r>
-            <a:endParaRPr lang="en-US" altLang="zh-TW" dirty="0"/>
           </a:p>
         </p:txBody>
       </p:sp>
@@ -16812,12 +16751,12 @@
   </p:clrMapOvr>
   <mc:AlternateContent xmlns:mc="http://schemas.openxmlformats.org/markup-compatibility/2006">
     <mc:Choice xmlns:p14="http://schemas.microsoft.com/office/powerpoint/2010/main" Requires="p14">
-      <p:transition spd="med" p14:dur="700" advTm="63899">
+      <p:transition spd="med" p14:dur="700">
         <p:fade/>
       </p:transition>
     </mc:Choice>
     <mc:Fallback>
-      <p:transition spd="med" advTm="63899">
+      <p:transition spd="med">
         <p:fade/>
       </p:transition>
     </mc:Fallback>
@@ -16891,7 +16830,6 @@
               <a:rPr lang="en-US" altLang="zh-TW" dirty="0"/>
               <a:t> </a:t>
             </a:r>
-            <a:endParaRPr lang="en-US" altLang="zh-TW" dirty="0"/>
           </a:p>
         </p:txBody>
       </p:sp>
@@ -16984,12 +16922,12 @@
   </p:clrMapOvr>
   <mc:AlternateContent xmlns:mc="http://schemas.openxmlformats.org/markup-compatibility/2006">
     <mc:Choice xmlns:p14="http://schemas.microsoft.com/office/powerpoint/2010/main" Requires="p14">
-      <p:transition spd="med" p14:dur="700" advTm="12560">
+      <p:transition spd="med" p14:dur="700">
         <p:fade/>
       </p:transition>
     </mc:Choice>
     <mc:Fallback>
-      <p:transition spd="med" advTm="12560">
+      <p:transition spd="med">
         <p:fade/>
       </p:transition>
     </mc:Fallback>
@@ -17167,11 +17105,6 @@
               </a:rPr>
               <a:t>SINGLE GIRDER </a:t>
             </a:r>
-            <a:endParaRPr lang="en-US" altLang="zh-TW" dirty="0">
-              <a:solidFill>
-                <a:schemeClr val="accent1"/>
-              </a:solidFill>
-            </a:endParaRPr>
           </a:p>
         </p:txBody>
       </p:sp>
@@ -17312,12 +17245,12 @@
   </p:clrMapOvr>
   <mc:AlternateContent xmlns:mc="http://schemas.openxmlformats.org/markup-compatibility/2006">
     <mc:Choice xmlns:p14="http://schemas.microsoft.com/office/powerpoint/2010/main" Requires="p14">
-      <p:transition spd="med" p14:dur="700" advTm="8364">
+      <p:transition spd="med" p14:dur="700">
         <p:fade/>
       </p:transition>
     </mc:Choice>
     <mc:Fallback>
-      <p:transition spd="med" advTm="8364">
+      <p:transition spd="med">
         <p:fade/>
       </p:transition>
     </mc:Fallback>
@@ -17483,11 +17416,6 @@
               </a:rPr>
               <a:t>SINGLE GIRDER </a:t>
             </a:r>
-            <a:endParaRPr lang="en-US" altLang="zh-TW" dirty="0">
-              <a:solidFill>
-                <a:schemeClr val="accent1"/>
-              </a:solidFill>
-            </a:endParaRPr>
           </a:p>
         </p:txBody>
       </p:sp>
@@ -17652,12 +17580,12 @@
   </p:clrMapOvr>
   <mc:AlternateContent xmlns:mc="http://schemas.openxmlformats.org/markup-compatibility/2006">
     <mc:Choice xmlns:p14="http://schemas.microsoft.com/office/powerpoint/2010/main" Requires="p14">
-      <p:transition spd="med" p14:dur="700" advTm="1710">
+      <p:transition spd="med" p14:dur="700">
         <p:fade/>
       </p:transition>
     </mc:Choice>
     <mc:Fallback>
-      <p:transition spd="med" advTm="1710">
+      <p:transition spd="med">
         <p:fade/>
       </p:transition>
     </mc:Fallback>
@@ -17738,11 +17666,6 @@
               </a:rPr>
               <a:t>STRUCTURE</a:t>
             </a:r>
-            <a:endParaRPr lang="en-US" altLang="zh-TW" dirty="0">
-              <a:solidFill>
-                <a:schemeClr val="accent1"/>
-              </a:solidFill>
-            </a:endParaRPr>
           </a:p>
         </p:txBody>
       </p:sp>
@@ -17835,12 +17758,12 @@
   </p:clrMapOvr>
   <mc:AlternateContent xmlns:mc="http://schemas.openxmlformats.org/markup-compatibility/2006">
     <mc:Choice xmlns:p14="http://schemas.microsoft.com/office/powerpoint/2010/main" Requires="p14">
-      <p:transition spd="med" p14:dur="700" advTm="12485">
+      <p:transition spd="med" p14:dur="700">
         <p:fade/>
       </p:transition>
     </mc:Choice>
     <mc:Fallback>
-      <p:transition spd="med" advTm="12485">
+      <p:transition spd="med">
         <p:fade/>
       </p:transition>
     </mc:Fallback>
@@ -17906,10 +17829,6 @@
               </a:rPr>
               <a:t>REDUCE REBAR</a:t>
             </a:r>
-            <a:endParaRPr lang="en-US" altLang="zh-TW" sz="4050" dirty="0">
-              <a:latin typeface="Segoe UI" panose="020B0502040204020203" pitchFamily="34" charset="0"/>
-              <a:cs typeface="Segoe UI" panose="020B0502040204020203" pitchFamily="34" charset="0"/>
-            </a:endParaRPr>
           </a:p>
         </p:txBody>
       </p:sp>
@@ -18426,13 +18345,6 @@
               </a:rPr>
               <a:t>DEMAND</a:t>
             </a:r>
-            <a:endParaRPr lang="en-US" altLang="zh-TW" sz="2400" dirty="0">
-              <a:solidFill>
-                <a:schemeClr val="accent1"/>
-              </a:solidFill>
-              <a:latin typeface="Segoe UI Light" panose="020B0502040204020203" pitchFamily="34" charset="0"/>
-              <a:cs typeface="Segoe UI Light" panose="020B0502040204020203" pitchFamily="34" charset="0"/>
-            </a:endParaRPr>
           </a:p>
         </p:txBody>
       </p:sp>
@@ -18530,12 +18442,12 @@
   </p:clrMapOvr>
   <mc:AlternateContent xmlns:mc="http://schemas.openxmlformats.org/markup-compatibility/2006">
     <mc:Choice xmlns:p14="http://schemas.microsoft.com/office/powerpoint/2010/main" Requires="p14">
-      <p:transition spd="med" p14:dur="700" advTm="26999">
+      <p:transition spd="med" p14:dur="700">
         <p:fade/>
       </p:transition>
     </mc:Choice>
     <mc:Fallback>
-      <p:transition spd="med" advTm="26999">
+      <p:transition spd="med">
         <p:fade/>
       </p:transition>
     </mc:Fallback>
@@ -18605,11 +18517,6 @@
               </a:rPr>
               <a:t>ACTUAL STRUCTURE</a:t>
             </a:r>
-            <a:endParaRPr lang="en-US" altLang="zh-TW" dirty="0">
-              <a:solidFill>
-                <a:schemeClr val="accent1"/>
-              </a:solidFill>
-            </a:endParaRPr>
           </a:p>
         </p:txBody>
       </p:sp>
@@ -18678,12 +18585,12 @@
   </p:clrMapOvr>
   <mc:AlternateContent xmlns:mc="http://schemas.openxmlformats.org/markup-compatibility/2006">
     <mc:Choice xmlns:p14="http://schemas.microsoft.com/office/powerpoint/2010/main" Requires="p14">
-      <p:transition spd="med" p14:dur="700" advTm="4708">
+      <p:transition spd="med" p14:dur="700">
         <p:fade/>
       </p:transition>
     </mc:Choice>
     <mc:Fallback>
-      <p:transition spd="med" advTm="4708">
+      <p:transition spd="med">
         <p:fade/>
       </p:transition>
     </mc:Fallback>
@@ -19299,12 +19206,12 @@
   </p:clrMapOvr>
   <mc:AlternateContent xmlns:mc="http://schemas.openxmlformats.org/markup-compatibility/2006">
     <mc:Choice xmlns:p14="http://schemas.microsoft.com/office/powerpoint/2010/main" Requires="p14">
-      <p:transition spd="med" p14:dur="700" advTm="31203">
+      <p:transition spd="med" p14:dur="700">
         <p:fade/>
       </p:transition>
     </mc:Choice>
     <mc:Fallback>
-      <p:transition spd="med" advTm="31203">
+      <p:transition spd="med">
         <p:fade/>
       </p:transition>
     </mc:Fallback>
@@ -19408,10 +19315,6 @@
               </a:rPr>
               <a:t>GRAVITY DEMAND</a:t>
             </a:r>
-            <a:endParaRPr lang="fr-FR" sz="1350" dirty="0">
-              <a:latin typeface="Segoe UI" panose="020B0502040204020203" pitchFamily="34" charset="0"/>
-              <a:cs typeface="Segoe UI" panose="020B0502040204020203" pitchFamily="34" charset="0"/>
-            </a:endParaRPr>
           </a:p>
         </p:txBody>
       </p:sp>
@@ -20404,7 +20307,6 @@
               <a:rPr lang="fr-FR" sz="1350" dirty="0"/>
               <a:t>ETABS/SAP DEMAND</a:t>
             </a:r>
-            <a:endParaRPr lang="fr-FR" sz="1350" dirty="0"/>
           </a:p>
         </p:txBody>
       </p:sp>
@@ -20486,12 +20388,12 @@
   </p:clrMapOvr>
   <mc:AlternateContent xmlns:mc="http://schemas.openxmlformats.org/markup-compatibility/2006">
     <mc:Choice xmlns:p14="http://schemas.microsoft.com/office/powerpoint/2010/main" Requires="p14">
-      <p:transition spd="med" p14:dur="700" advTm="71991">
+      <p:transition spd="med" p14:dur="700">
         <p:fade/>
       </p:transition>
     </mc:Choice>
     <mc:Fallback>
-      <p:transition spd="med" advTm="71991">
+      <p:transition spd="med">
         <p:fade/>
       </p:transition>
     </mc:Fallback>
@@ -20555,13 +20457,6 @@
               </a:rPr>
               <a:t>FROM EXISTING REBAR</a:t>
             </a:r>
-            <a:endParaRPr lang="fr-FR" sz="1500" dirty="0">
-              <a:solidFill>
-                <a:schemeClr val="accent1"/>
-              </a:solidFill>
-              <a:latin typeface="Segoe UI Light" panose="020B0502040204020203" pitchFamily="34" charset="0"/>
-              <a:cs typeface="Segoe UI Light" panose="020B0502040204020203" pitchFamily="34" charset="0"/>
-            </a:endParaRPr>
           </a:p>
         </p:txBody>
       </p:sp>
@@ -21075,10 +20970,6 @@
               </a:rPr>
               <a:t>ETABS/SAP DEMAND</a:t>
             </a:r>
-            <a:endParaRPr lang="fr-FR" sz="1500" dirty="0">
-              <a:latin typeface="Segoe UI Light" panose="020B0502040204020203" pitchFamily="34" charset="0"/>
-              <a:cs typeface="Segoe UI Light" panose="020B0502040204020203" pitchFamily="34" charset="0"/>
-            </a:endParaRPr>
           </a:p>
         </p:txBody>
       </p:sp>
@@ -21147,10 +21038,6 @@
               </a:rPr>
               <a:t>NONLINEAR TIME HISTORY ANALYSIS</a:t>
             </a:r>
-            <a:endParaRPr lang="fr-FR" sz="1500" dirty="0">
-              <a:latin typeface="Segoe UI Light" panose="020B0502040204020203" pitchFamily="34" charset="0"/>
-              <a:cs typeface="Segoe UI Light" panose="020B0502040204020203" pitchFamily="34" charset="0"/>
-            </a:endParaRPr>
           </a:p>
         </p:txBody>
       </p:sp>
@@ -21340,12 +21227,12 @@
   </p:clrMapOvr>
   <mc:AlternateContent xmlns:mc="http://schemas.openxmlformats.org/markup-compatibility/2006">
     <mc:Choice xmlns:p14="http://schemas.microsoft.com/office/powerpoint/2010/main" Requires="p14">
-      <p:transition spd="med" p14:dur="700" advTm="56779">
+      <p:transition spd="med" p14:dur="700">
         <p:fade/>
       </p:transition>
     </mc:Choice>
     <mc:Fallback>
-      <p:transition spd="med" advTm="56779">
+      <p:transition spd="med">
         <p:fade/>
       </p:transition>
     </mc:Fallback>
@@ -21361,1072 +21248,6 @@
 </file>
 
 <file path=ppt/slides/slide4.xml><?xml version="1.0" encoding="utf-8"?>
-<p:sld xmlns:a="http://schemas.openxmlformats.org/drawingml/2006/main" xmlns:r="http://schemas.openxmlformats.org/officeDocument/2006/relationships" xmlns:p="http://schemas.openxmlformats.org/presentationml/2006/main">
-  <p:cSld>
-    <p:spTree>
-      <p:nvGrpSpPr>
-        <p:cNvPr id="1" name=""/>
-        <p:cNvGrpSpPr/>
-        <p:nvPr/>
-      </p:nvGrpSpPr>
-      <p:grpSpPr>
-        <a:xfrm>
-          <a:off x="0" y="0"/>
-          <a:ext cx="0" cy="0"/>
-          <a:chOff x="0" y="0"/>
-          <a:chExt cx="0" cy="0"/>
-        </a:xfrm>
-      </p:grpSpPr>
-      <p:sp>
-        <p:nvSpPr>
-          <p:cNvPr id="99" name="TextBox 98"/>
-          <p:cNvSpPr txBox="1"/>
-          <p:nvPr/>
-        </p:nvSpPr>
-        <p:spPr>
-          <a:xfrm>
-            <a:off x="629841" y="3959424"/>
-            <a:ext cx="1161000" cy="553998"/>
-          </a:xfrm>
-          <a:prstGeom prst="rect">
-            <a:avLst/>
-          </a:prstGeom>
-          <a:noFill/>
-        </p:spPr>
-        <p:txBody>
-          <a:bodyPr wrap="square" lIns="0" rtlCol="0" anchor="t">
-            <a:spAutoFit/>
-          </a:bodyPr>
-          <a:lstStyle/>
-          <a:p>
-            <a:r>
-              <a:rPr lang="fr-FR" sz="1500" dirty="0">
-                <a:latin typeface="Segoe UI Light" panose="020B0502040204020203" pitchFamily="34" charset="0"/>
-                <a:cs typeface="Segoe UI Light" panose="020B0502040204020203" pitchFamily="34" charset="0"/>
-              </a:rPr>
-              <a:t>MOMENT DIAGRAM</a:t>
-            </a:r>
-            <a:endParaRPr lang="fr-FR" sz="1500" dirty="0">
-              <a:latin typeface="Segoe UI Light" panose="020B0502040204020203" pitchFamily="34" charset="0"/>
-              <a:cs typeface="Segoe UI Light" panose="020B0502040204020203" pitchFamily="34" charset="0"/>
-            </a:endParaRPr>
-          </a:p>
-        </p:txBody>
-      </p:sp>
-      <p:grpSp>
-        <p:nvGrpSpPr>
-          <p:cNvPr id="2" name="Group 1"/>
-          <p:cNvGrpSpPr/>
-          <p:nvPr/>
-        </p:nvGrpSpPr>
-        <p:grpSpPr>
-          <a:xfrm>
-            <a:off x="2423814" y="2903338"/>
-            <a:ext cx="708425" cy="708425"/>
-            <a:chOff x="3173014" y="2956717"/>
-            <a:chExt cx="944566" cy="944566"/>
-          </a:xfrm>
-        </p:grpSpPr>
-        <p:sp>
-          <p:nvSpPr>
-            <p:cNvPr id="19" name="Oval 18"/>
-            <p:cNvSpPr/>
-            <p:nvPr/>
-          </p:nvSpPr>
-          <p:spPr>
-            <a:xfrm>
-              <a:off x="3290491" y="3074194"/>
-              <a:ext cx="709612" cy="709612"/>
-            </a:xfrm>
-            <a:prstGeom prst="ellipse">
-              <a:avLst/>
-            </a:prstGeom>
-            <a:solidFill>
-              <a:srgbClr val="1ABC9C"/>
-            </a:solidFill>
-            <a:ln>
-              <a:noFill/>
-            </a:ln>
-          </p:spPr>
-          <p:style>
-            <a:lnRef idx="2">
-              <a:schemeClr val="accent1">
-                <a:shade val="50000"/>
-              </a:schemeClr>
-            </a:lnRef>
-            <a:fillRef idx="1">
-              <a:schemeClr val="accent1"/>
-            </a:fillRef>
-            <a:effectRef idx="0">
-              <a:schemeClr val="accent1"/>
-            </a:effectRef>
-            <a:fontRef idx="minor">
-              <a:schemeClr val="lt1"/>
-            </a:fontRef>
-          </p:style>
-          <p:txBody>
-            <a:bodyPr rtlCol="0" anchor="ctr"/>
-            <a:lstStyle/>
-            <a:p>
-              <a:pPr algn="ctr"/>
-              <a:endParaRPr lang="fr-FR" sz="1350" dirty="0"/>
-            </a:p>
-          </p:txBody>
-        </p:sp>
-        <p:sp>
-          <p:nvSpPr>
-            <p:cNvPr id="23" name="Oval 22"/>
-            <p:cNvSpPr/>
-            <p:nvPr/>
-          </p:nvSpPr>
-          <p:spPr>
-            <a:xfrm>
-              <a:off x="3173014" y="2956717"/>
-              <a:ext cx="944566" cy="944566"/>
-            </a:xfrm>
-            <a:prstGeom prst="ellipse">
-              <a:avLst/>
-            </a:prstGeom>
-            <a:solidFill>
-              <a:srgbClr val="1ABC9C">
-                <a:alpha val="42000"/>
-              </a:srgbClr>
-            </a:solidFill>
-            <a:ln>
-              <a:noFill/>
-            </a:ln>
-          </p:spPr>
-          <p:style>
-            <a:lnRef idx="2">
-              <a:schemeClr val="accent1">
-                <a:shade val="50000"/>
-              </a:schemeClr>
-            </a:lnRef>
-            <a:fillRef idx="1">
-              <a:schemeClr val="accent1"/>
-            </a:fillRef>
-            <a:effectRef idx="0">
-              <a:schemeClr val="accent1"/>
-            </a:effectRef>
-            <a:fontRef idx="minor">
-              <a:schemeClr val="lt1"/>
-            </a:fontRef>
-          </p:style>
-          <p:txBody>
-            <a:bodyPr rtlCol="0" anchor="ctr"/>
-            <a:lstStyle/>
-            <a:p>
-              <a:pPr algn="ctr"/>
-              <a:r>
-                <a:rPr lang="fr-FR" sz="2100" dirty="0">
-                  <a:solidFill>
-                    <a:schemeClr val="bg1"/>
-                  </a:solidFill>
-                  <a:latin typeface="Segoe UI" panose="020B0502040204020203" pitchFamily="34" charset="0"/>
-                  <a:cs typeface="Segoe UI" panose="020B0502040204020203" pitchFamily="34" charset="0"/>
-                </a:rPr>
-                <a:t>2</a:t>
-              </a:r>
-            </a:p>
-          </p:txBody>
-        </p:sp>
-      </p:grpSp>
-      <p:grpSp>
-        <p:nvGrpSpPr>
-          <p:cNvPr id="25" name="Group 24"/>
-          <p:cNvGrpSpPr/>
-          <p:nvPr/>
-        </p:nvGrpSpPr>
-        <p:grpSpPr>
-          <a:xfrm>
-            <a:off x="629840" y="2903338"/>
-            <a:ext cx="708425" cy="708425"/>
-            <a:chOff x="3173014" y="2956717"/>
-            <a:chExt cx="944566" cy="944566"/>
-          </a:xfrm>
-          <a:solidFill>
-            <a:srgbClr val="1ABC9C">
-              <a:alpha val="41176"/>
-            </a:srgbClr>
-          </a:solidFill>
-        </p:grpSpPr>
-        <p:sp>
-          <p:nvSpPr>
-            <p:cNvPr id="26" name="Oval 25"/>
-            <p:cNvSpPr/>
-            <p:nvPr/>
-          </p:nvSpPr>
-          <p:spPr>
-            <a:xfrm>
-              <a:off x="3290491" y="3074194"/>
-              <a:ext cx="709612" cy="709612"/>
-            </a:xfrm>
-            <a:prstGeom prst="ellipse">
-              <a:avLst/>
-            </a:prstGeom>
-            <a:solidFill>
-              <a:srgbClr val="1ABC9C"/>
-            </a:solidFill>
-            <a:ln>
-              <a:noFill/>
-            </a:ln>
-          </p:spPr>
-          <p:style>
-            <a:lnRef idx="2">
-              <a:schemeClr val="accent1">
-                <a:shade val="50000"/>
-              </a:schemeClr>
-            </a:lnRef>
-            <a:fillRef idx="1">
-              <a:schemeClr val="accent1"/>
-            </a:fillRef>
-            <a:effectRef idx="0">
-              <a:schemeClr val="accent1"/>
-            </a:effectRef>
-            <a:fontRef idx="minor">
-              <a:schemeClr val="lt1"/>
-            </a:fontRef>
-          </p:style>
-          <p:txBody>
-            <a:bodyPr rtlCol="0" anchor="ctr"/>
-            <a:lstStyle/>
-            <a:p>
-              <a:pPr algn="ctr"/>
-              <a:endParaRPr lang="fr-FR" sz="1350">
-                <a:solidFill>
-                  <a:schemeClr val="bg1"/>
-                </a:solidFill>
-              </a:endParaRPr>
-            </a:p>
-          </p:txBody>
-        </p:sp>
-        <p:sp>
-          <p:nvSpPr>
-            <p:cNvPr id="27" name="Oval 26"/>
-            <p:cNvSpPr/>
-            <p:nvPr/>
-          </p:nvSpPr>
-          <p:spPr>
-            <a:xfrm>
-              <a:off x="3173014" y="2956717"/>
-              <a:ext cx="944566" cy="944566"/>
-            </a:xfrm>
-            <a:prstGeom prst="ellipse">
-              <a:avLst/>
-            </a:prstGeom>
-            <a:grpFill/>
-            <a:ln>
-              <a:noFill/>
-            </a:ln>
-          </p:spPr>
-          <p:style>
-            <a:lnRef idx="2">
-              <a:schemeClr val="accent1">
-                <a:shade val="50000"/>
-              </a:schemeClr>
-            </a:lnRef>
-            <a:fillRef idx="1">
-              <a:schemeClr val="accent1"/>
-            </a:fillRef>
-            <a:effectRef idx="0">
-              <a:schemeClr val="accent1"/>
-            </a:effectRef>
-            <a:fontRef idx="minor">
-              <a:schemeClr val="lt1"/>
-            </a:fontRef>
-          </p:style>
-          <p:txBody>
-            <a:bodyPr rtlCol="0" anchor="ctr"/>
-            <a:lstStyle/>
-            <a:p>
-              <a:pPr algn="ctr"/>
-              <a:r>
-                <a:rPr lang="fr-FR" sz="2100" dirty="0">
-                  <a:solidFill>
-                    <a:schemeClr val="bg1"/>
-                  </a:solidFill>
-                  <a:latin typeface="Segoe UI" panose="020B0502040204020203" pitchFamily="34" charset="0"/>
-                  <a:cs typeface="Segoe UI" panose="020B0502040204020203" pitchFamily="34" charset="0"/>
-                </a:rPr>
-                <a:t>1</a:t>
-              </a:r>
-            </a:p>
-          </p:txBody>
-        </p:sp>
-      </p:grpSp>
-      <p:grpSp>
-        <p:nvGrpSpPr>
-          <p:cNvPr id="28" name="Group 27"/>
-          <p:cNvGrpSpPr/>
-          <p:nvPr/>
-        </p:nvGrpSpPr>
-        <p:grpSpPr>
-          <a:xfrm>
-            <a:off x="4217788" y="2903338"/>
-            <a:ext cx="708425" cy="708425"/>
-            <a:chOff x="3173014" y="2956717"/>
-            <a:chExt cx="944566" cy="944566"/>
-          </a:xfrm>
-        </p:grpSpPr>
-        <p:sp>
-          <p:nvSpPr>
-            <p:cNvPr id="29" name="Oval 28"/>
-            <p:cNvSpPr/>
-            <p:nvPr/>
-          </p:nvSpPr>
-          <p:spPr>
-            <a:xfrm>
-              <a:off x="3290491" y="3074194"/>
-              <a:ext cx="709612" cy="709612"/>
-            </a:xfrm>
-            <a:prstGeom prst="ellipse">
-              <a:avLst/>
-            </a:prstGeom>
-            <a:solidFill>
-              <a:schemeClr val="accent2"/>
-            </a:solidFill>
-            <a:ln>
-              <a:noFill/>
-            </a:ln>
-          </p:spPr>
-          <p:style>
-            <a:lnRef idx="2">
-              <a:schemeClr val="accent1">
-                <a:shade val="50000"/>
-              </a:schemeClr>
-            </a:lnRef>
-            <a:fillRef idx="1">
-              <a:schemeClr val="accent1"/>
-            </a:fillRef>
-            <a:effectRef idx="0">
-              <a:schemeClr val="accent1"/>
-            </a:effectRef>
-            <a:fontRef idx="minor">
-              <a:schemeClr val="lt1"/>
-            </a:fontRef>
-          </p:style>
-          <p:txBody>
-            <a:bodyPr rtlCol="0" anchor="ctr"/>
-            <a:lstStyle/>
-            <a:p>
-              <a:pPr algn="ctr"/>
-              <a:endParaRPr lang="fr-FR" sz="1350"/>
-            </a:p>
-          </p:txBody>
-        </p:sp>
-        <p:sp>
-          <p:nvSpPr>
-            <p:cNvPr id="30" name="Oval 29"/>
-            <p:cNvSpPr/>
-            <p:nvPr/>
-          </p:nvSpPr>
-          <p:spPr>
-            <a:xfrm>
-              <a:off x="3173014" y="2956717"/>
-              <a:ext cx="944566" cy="944566"/>
-            </a:xfrm>
-            <a:prstGeom prst="ellipse">
-              <a:avLst/>
-            </a:prstGeom>
-            <a:solidFill>
-              <a:schemeClr val="accent2">
-                <a:alpha val="42000"/>
-              </a:schemeClr>
-            </a:solidFill>
-            <a:ln>
-              <a:noFill/>
-            </a:ln>
-          </p:spPr>
-          <p:style>
-            <a:lnRef idx="2">
-              <a:schemeClr val="accent1">
-                <a:shade val="50000"/>
-              </a:schemeClr>
-            </a:lnRef>
-            <a:fillRef idx="1">
-              <a:schemeClr val="accent1"/>
-            </a:fillRef>
-            <a:effectRef idx="0">
-              <a:schemeClr val="accent1"/>
-            </a:effectRef>
-            <a:fontRef idx="minor">
-              <a:schemeClr val="lt1"/>
-            </a:fontRef>
-          </p:style>
-          <p:txBody>
-            <a:bodyPr rtlCol="0" anchor="ctr"/>
-            <a:lstStyle/>
-            <a:p>
-              <a:pPr algn="ctr"/>
-              <a:r>
-                <a:rPr lang="fr-FR" sz="2100" dirty="0">
-                  <a:solidFill>
-                    <a:schemeClr val="bg1"/>
-                  </a:solidFill>
-                  <a:latin typeface="Segoe UI" panose="020B0502040204020203" pitchFamily="34" charset="0"/>
-                  <a:cs typeface="Segoe UI" panose="020B0502040204020203" pitchFamily="34" charset="0"/>
-                </a:rPr>
-                <a:t>3</a:t>
-              </a:r>
-            </a:p>
-          </p:txBody>
-        </p:sp>
-      </p:grpSp>
-      <p:grpSp>
-        <p:nvGrpSpPr>
-          <p:cNvPr id="31" name="Group 30"/>
-          <p:cNvGrpSpPr/>
-          <p:nvPr/>
-        </p:nvGrpSpPr>
-        <p:grpSpPr>
-          <a:xfrm>
-            <a:off x="6011761" y="2903338"/>
-            <a:ext cx="708425" cy="708425"/>
-            <a:chOff x="3173014" y="2956717"/>
-            <a:chExt cx="944566" cy="944566"/>
-          </a:xfrm>
-        </p:grpSpPr>
-        <p:sp>
-          <p:nvSpPr>
-            <p:cNvPr id="32" name="Oval 31"/>
-            <p:cNvSpPr/>
-            <p:nvPr/>
-          </p:nvSpPr>
-          <p:spPr>
-            <a:xfrm>
-              <a:off x="3290491" y="3074194"/>
-              <a:ext cx="709612" cy="709612"/>
-            </a:xfrm>
-            <a:prstGeom prst="ellipse">
-              <a:avLst/>
-            </a:prstGeom>
-            <a:solidFill>
-              <a:schemeClr val="bg1">
-                <a:lumMod val="85000"/>
-              </a:schemeClr>
-            </a:solidFill>
-            <a:ln>
-              <a:noFill/>
-            </a:ln>
-          </p:spPr>
-          <p:style>
-            <a:lnRef idx="2">
-              <a:schemeClr val="accent1">
-                <a:shade val="50000"/>
-              </a:schemeClr>
-            </a:lnRef>
-            <a:fillRef idx="1">
-              <a:schemeClr val="accent1"/>
-            </a:fillRef>
-            <a:effectRef idx="0">
-              <a:schemeClr val="accent1"/>
-            </a:effectRef>
-            <a:fontRef idx="minor">
-              <a:schemeClr val="lt1"/>
-            </a:fontRef>
-          </p:style>
-          <p:txBody>
-            <a:bodyPr rtlCol="0" anchor="ctr"/>
-            <a:lstStyle/>
-            <a:p>
-              <a:pPr algn="ctr"/>
-              <a:endParaRPr lang="fr-FR" sz="1350"/>
-            </a:p>
-          </p:txBody>
-        </p:sp>
-        <p:sp>
-          <p:nvSpPr>
-            <p:cNvPr id="33" name="Oval 32"/>
-            <p:cNvSpPr/>
-            <p:nvPr/>
-          </p:nvSpPr>
-          <p:spPr>
-            <a:xfrm>
-              <a:off x="3173014" y="2956717"/>
-              <a:ext cx="944566" cy="944566"/>
-            </a:xfrm>
-            <a:prstGeom prst="ellipse">
-              <a:avLst/>
-            </a:prstGeom>
-            <a:solidFill>
-              <a:schemeClr val="bg1">
-                <a:lumMod val="85000"/>
-                <a:alpha val="42000"/>
-              </a:schemeClr>
-            </a:solidFill>
-            <a:ln>
-              <a:noFill/>
-            </a:ln>
-          </p:spPr>
-          <p:style>
-            <a:lnRef idx="2">
-              <a:schemeClr val="accent1">
-                <a:shade val="50000"/>
-              </a:schemeClr>
-            </a:lnRef>
-            <a:fillRef idx="1">
-              <a:schemeClr val="accent1"/>
-            </a:fillRef>
-            <a:effectRef idx="0">
-              <a:schemeClr val="accent1"/>
-            </a:effectRef>
-            <a:fontRef idx="minor">
-              <a:schemeClr val="lt1"/>
-            </a:fontRef>
-          </p:style>
-          <p:txBody>
-            <a:bodyPr rtlCol="0" anchor="ctr"/>
-            <a:lstStyle/>
-            <a:p>
-              <a:pPr algn="ctr"/>
-              <a:r>
-                <a:rPr lang="fr-FR" sz="2100" dirty="0">
-                  <a:solidFill>
-                    <a:schemeClr val="tx1"/>
-                  </a:solidFill>
-                  <a:latin typeface="Segoe UI" panose="020B0502040204020203" pitchFamily="34" charset="0"/>
-                  <a:cs typeface="Segoe UI" panose="020B0502040204020203" pitchFamily="34" charset="0"/>
-                </a:rPr>
-                <a:t>4</a:t>
-              </a:r>
-            </a:p>
-          </p:txBody>
-        </p:sp>
-      </p:grpSp>
-      <p:grpSp>
-        <p:nvGrpSpPr>
-          <p:cNvPr id="34" name="Group 33"/>
-          <p:cNvGrpSpPr/>
-          <p:nvPr/>
-        </p:nvGrpSpPr>
-        <p:grpSpPr>
-          <a:xfrm>
-            <a:off x="7805735" y="2903338"/>
-            <a:ext cx="708425" cy="708425"/>
-            <a:chOff x="3173014" y="2956717"/>
-            <a:chExt cx="944566" cy="944566"/>
-          </a:xfrm>
-        </p:grpSpPr>
-        <p:sp>
-          <p:nvSpPr>
-            <p:cNvPr id="35" name="Oval 34"/>
-            <p:cNvSpPr/>
-            <p:nvPr/>
-          </p:nvSpPr>
-          <p:spPr>
-            <a:xfrm>
-              <a:off x="3290491" y="3074194"/>
-              <a:ext cx="709612" cy="709612"/>
-            </a:xfrm>
-            <a:prstGeom prst="ellipse">
-              <a:avLst/>
-            </a:prstGeom>
-            <a:solidFill>
-              <a:schemeClr val="bg1">
-                <a:lumMod val="85000"/>
-              </a:schemeClr>
-            </a:solidFill>
-            <a:ln>
-              <a:noFill/>
-            </a:ln>
-          </p:spPr>
-          <p:style>
-            <a:lnRef idx="2">
-              <a:schemeClr val="accent1">
-                <a:shade val="50000"/>
-              </a:schemeClr>
-            </a:lnRef>
-            <a:fillRef idx="1">
-              <a:schemeClr val="accent1"/>
-            </a:fillRef>
-            <a:effectRef idx="0">
-              <a:schemeClr val="accent1"/>
-            </a:effectRef>
-            <a:fontRef idx="minor">
-              <a:schemeClr val="lt1"/>
-            </a:fontRef>
-          </p:style>
-          <p:txBody>
-            <a:bodyPr rtlCol="0" anchor="ctr"/>
-            <a:lstStyle/>
-            <a:p>
-              <a:pPr algn="ctr"/>
-              <a:endParaRPr lang="fr-FR" sz="1350"/>
-            </a:p>
-          </p:txBody>
-        </p:sp>
-        <p:sp>
-          <p:nvSpPr>
-            <p:cNvPr id="36" name="Oval 35"/>
-            <p:cNvSpPr/>
-            <p:nvPr/>
-          </p:nvSpPr>
-          <p:spPr>
-            <a:xfrm>
-              <a:off x="3173014" y="2956717"/>
-              <a:ext cx="944566" cy="944566"/>
-            </a:xfrm>
-            <a:prstGeom prst="ellipse">
-              <a:avLst/>
-            </a:prstGeom>
-            <a:solidFill>
-              <a:schemeClr val="bg1">
-                <a:lumMod val="85000"/>
-                <a:alpha val="42000"/>
-              </a:schemeClr>
-            </a:solidFill>
-            <a:ln>
-              <a:noFill/>
-            </a:ln>
-          </p:spPr>
-          <p:style>
-            <a:lnRef idx="2">
-              <a:schemeClr val="accent1">
-                <a:shade val="50000"/>
-              </a:schemeClr>
-            </a:lnRef>
-            <a:fillRef idx="1">
-              <a:schemeClr val="accent1"/>
-            </a:fillRef>
-            <a:effectRef idx="0">
-              <a:schemeClr val="accent1"/>
-            </a:effectRef>
-            <a:fontRef idx="minor">
-              <a:schemeClr val="lt1"/>
-            </a:fontRef>
-          </p:style>
-          <p:txBody>
-            <a:bodyPr rtlCol="0" anchor="ctr"/>
-            <a:lstStyle/>
-            <a:p>
-              <a:pPr algn="ctr"/>
-              <a:r>
-                <a:rPr lang="fr-FR" sz="2100" dirty="0">
-                  <a:solidFill>
-                    <a:schemeClr val="tx1"/>
-                  </a:solidFill>
-                  <a:latin typeface="Segoe UI" panose="020B0502040204020203" pitchFamily="34" charset="0"/>
-                  <a:cs typeface="Segoe UI" panose="020B0502040204020203" pitchFamily="34" charset="0"/>
-                </a:rPr>
-                <a:t>5</a:t>
-              </a:r>
-            </a:p>
-          </p:txBody>
-        </p:sp>
-      </p:grpSp>
-      <p:sp>
-        <p:nvSpPr>
-          <p:cNvPr id="42" name="TextBox 41"/>
-          <p:cNvSpPr txBox="1"/>
-          <p:nvPr/>
-        </p:nvSpPr>
-        <p:spPr>
-          <a:xfrm>
-            <a:off x="2423814" y="3959424"/>
-            <a:ext cx="1298180" cy="784830"/>
-          </a:xfrm>
-          <a:prstGeom prst="rect">
-            <a:avLst/>
-          </a:prstGeom>
-          <a:noFill/>
-        </p:spPr>
-        <p:txBody>
-          <a:bodyPr wrap="square" lIns="0" rtlCol="0" anchor="t">
-            <a:spAutoFit/>
-          </a:bodyPr>
-          <a:lstStyle/>
-          <a:p>
-            <a:r>
-              <a:rPr lang="fr-FR" sz="1500" dirty="0">
-                <a:latin typeface="Segoe UI Light" panose="020B0502040204020203" pitchFamily="34" charset="0"/>
-                <a:cs typeface="Segoe UI Light" panose="020B0502040204020203" pitchFamily="34" charset="0"/>
-              </a:rPr>
-              <a:t>TENSION DEVELOPMENT LENGTH</a:t>
-            </a:r>
-            <a:endParaRPr lang="fr-FR" sz="1500" dirty="0">
-              <a:latin typeface="Segoe UI Light" panose="020B0502040204020203" pitchFamily="34" charset="0"/>
-              <a:cs typeface="Segoe UI Light" panose="020B0502040204020203" pitchFamily="34" charset="0"/>
-            </a:endParaRPr>
-          </a:p>
-        </p:txBody>
-      </p:sp>
-      <p:sp>
-        <p:nvSpPr>
-          <p:cNvPr id="43" name="TextBox 42"/>
-          <p:cNvSpPr txBox="1"/>
-          <p:nvPr/>
-        </p:nvSpPr>
-        <p:spPr>
-          <a:xfrm>
-            <a:off x="4217787" y="3959424"/>
-            <a:ext cx="1161000" cy="553998"/>
-          </a:xfrm>
-          <a:prstGeom prst="rect">
-            <a:avLst/>
-          </a:prstGeom>
-          <a:noFill/>
-        </p:spPr>
-        <p:txBody>
-          <a:bodyPr wrap="square" lIns="0" rtlCol="0" anchor="t">
-            <a:spAutoFit/>
-          </a:bodyPr>
-          <a:lstStyle/>
-          <a:p>
-            <a:r>
-              <a:rPr lang="fr-FR" sz="1500" dirty="0">
-                <a:latin typeface="Segoe UI Light" panose="020B0502040204020203" pitchFamily="34" charset="0"/>
-                <a:cs typeface="Segoe UI Light" panose="020B0502040204020203" pitchFamily="34" charset="0"/>
-              </a:rPr>
-              <a:t>GRAVITY DEMAND</a:t>
-            </a:r>
-            <a:endParaRPr lang="fr-FR" sz="1500" dirty="0">
-              <a:latin typeface="Segoe UI Light" panose="020B0502040204020203" pitchFamily="34" charset="0"/>
-              <a:cs typeface="Segoe UI Light" panose="020B0502040204020203" pitchFamily="34" charset="0"/>
-            </a:endParaRPr>
-          </a:p>
-        </p:txBody>
-      </p:sp>
-      <p:sp>
-        <p:nvSpPr>
-          <p:cNvPr id="44" name="TextBox 43"/>
-          <p:cNvSpPr txBox="1"/>
-          <p:nvPr/>
-        </p:nvSpPr>
-        <p:spPr>
-          <a:xfrm>
-            <a:off x="6011760" y="3959424"/>
-            <a:ext cx="1161000" cy="553998"/>
-          </a:xfrm>
-          <a:prstGeom prst="rect">
-            <a:avLst/>
-          </a:prstGeom>
-          <a:noFill/>
-        </p:spPr>
-        <p:txBody>
-          <a:bodyPr wrap="square" lIns="0" rtlCol="0" anchor="t">
-            <a:spAutoFit/>
-          </a:bodyPr>
-          <a:lstStyle/>
-          <a:p>
-            <a:r>
-              <a:rPr lang="en-US" altLang="zh-TW" sz="1500" dirty="0">
-                <a:latin typeface="Segoe UI Light" panose="020B0502040204020203" pitchFamily="34" charset="0"/>
-                <a:cs typeface="Segoe UI Light" panose="020B0502040204020203" pitchFamily="34" charset="0"/>
-              </a:rPr>
-              <a:t>LOAD PATTERN</a:t>
-            </a:r>
-          </a:p>
-        </p:txBody>
-      </p:sp>
-      <p:sp>
-        <p:nvSpPr>
-          <p:cNvPr id="45" name="TextBox 44"/>
-          <p:cNvSpPr txBox="1"/>
-          <p:nvPr/>
-        </p:nvSpPr>
-        <p:spPr>
-          <a:xfrm>
-            <a:off x="7805733" y="3959424"/>
-            <a:ext cx="1161000" cy="1015663"/>
-          </a:xfrm>
-          <a:prstGeom prst="rect">
-            <a:avLst/>
-          </a:prstGeom>
-          <a:noFill/>
-        </p:spPr>
-        <p:txBody>
-          <a:bodyPr wrap="square" lIns="0" rtlCol="0" anchor="t">
-            <a:spAutoFit/>
-          </a:bodyPr>
-          <a:lstStyle/>
-          <a:p>
-            <a:r>
-              <a:rPr lang="en-US" sz="1500" dirty="0">
-                <a:latin typeface="Segoe UI Light" panose="020B0502040204020203" pitchFamily="34" charset="0"/>
-                <a:cs typeface="Segoe UI Light" panose="020B0502040204020203" pitchFamily="34" charset="0"/>
-              </a:rPr>
-              <a:t>REDUCE TO THREE </a:t>
-            </a:r>
-            <a:r>
-              <a:rPr lang="en-US" sz="1500" dirty="0" smtClean="0">
-                <a:latin typeface="Segoe UI Light" panose="020B0502040204020203" pitchFamily="34" charset="0"/>
-                <a:cs typeface="Segoe UI Light" panose="020B0502040204020203" pitchFamily="34" charset="0"/>
-              </a:rPr>
-              <a:t>/ FOUR </a:t>
-            </a:r>
-            <a:r>
-              <a:rPr lang="en-US" sz="1500" dirty="0">
-                <a:latin typeface="Segoe UI Light" panose="020B0502040204020203" pitchFamily="34" charset="0"/>
-                <a:cs typeface="Segoe UI Light" panose="020B0502040204020203" pitchFamily="34" charset="0"/>
-              </a:rPr>
-              <a:t>POINTS</a:t>
-            </a:r>
-            <a:endParaRPr lang="en-US" sz="1500" dirty="0">
-              <a:latin typeface="Segoe UI Light" panose="020B0502040204020203" pitchFamily="34" charset="0"/>
-              <a:cs typeface="Segoe UI Light" panose="020B0502040204020203" pitchFamily="34" charset="0"/>
-            </a:endParaRPr>
-          </a:p>
-        </p:txBody>
-      </p:sp>
-      <p:cxnSp>
-        <p:nvCxnSpPr>
-          <p:cNvPr id="14" name="Straight Connector 13"/>
-          <p:cNvCxnSpPr>
-            <a:stCxn id="27" idx="6"/>
-            <a:endCxn id="23" idx="2"/>
-          </p:cNvCxnSpPr>
-          <p:nvPr/>
-        </p:nvCxnSpPr>
-        <p:spPr>
-          <a:xfrm>
-            <a:off x="1338265" y="3257550"/>
-            <a:ext cx="1085549" cy="0"/>
-          </a:xfrm>
-          <a:prstGeom prst="line">
-            <a:avLst/>
-          </a:prstGeom>
-          <a:ln w="28575">
-            <a:solidFill>
-              <a:schemeClr val="accent1"/>
-            </a:solidFill>
-          </a:ln>
-        </p:spPr>
-        <p:style>
-          <a:lnRef idx="1">
-            <a:schemeClr val="accent1"/>
-          </a:lnRef>
-          <a:fillRef idx="0">
-            <a:schemeClr val="accent1"/>
-          </a:fillRef>
-          <a:effectRef idx="0">
-            <a:schemeClr val="accent1"/>
-          </a:effectRef>
-          <a:fontRef idx="minor">
-            <a:schemeClr val="tx1"/>
-          </a:fontRef>
-        </p:style>
-      </p:cxnSp>
-      <p:cxnSp>
-        <p:nvCxnSpPr>
-          <p:cNvPr id="49" name="Straight Connector 48"/>
-          <p:cNvCxnSpPr/>
-          <p:nvPr/>
-        </p:nvCxnSpPr>
-        <p:spPr>
-          <a:xfrm>
-            <a:off x="3124501" y="3257550"/>
-            <a:ext cx="1085549" cy="0"/>
-          </a:xfrm>
-          <a:prstGeom prst="line">
-            <a:avLst/>
-          </a:prstGeom>
-          <a:ln w="28575">
-            <a:solidFill>
-              <a:schemeClr val="accent2"/>
-            </a:solidFill>
-          </a:ln>
-        </p:spPr>
-        <p:style>
-          <a:lnRef idx="1">
-            <a:schemeClr val="accent1"/>
-          </a:lnRef>
-          <a:fillRef idx="0">
-            <a:schemeClr val="accent1"/>
-          </a:fillRef>
-          <a:effectRef idx="0">
-            <a:schemeClr val="accent1"/>
-          </a:effectRef>
-          <a:fontRef idx="minor">
-            <a:schemeClr val="tx1"/>
-          </a:fontRef>
-        </p:style>
-      </p:cxnSp>
-      <p:cxnSp>
-        <p:nvCxnSpPr>
-          <p:cNvPr id="50" name="Straight Connector 49"/>
-          <p:cNvCxnSpPr/>
-          <p:nvPr/>
-        </p:nvCxnSpPr>
-        <p:spPr>
-          <a:xfrm>
-            <a:off x="4933951" y="3257550"/>
-            <a:ext cx="1085549" cy="0"/>
-          </a:xfrm>
-          <a:prstGeom prst="line">
-            <a:avLst/>
-          </a:prstGeom>
-          <a:ln w="28575">
-            <a:solidFill>
-              <a:srgbClr val="EDECEC"/>
-            </a:solidFill>
-          </a:ln>
-        </p:spPr>
-        <p:style>
-          <a:lnRef idx="1">
-            <a:schemeClr val="accent1"/>
-          </a:lnRef>
-          <a:fillRef idx="0">
-            <a:schemeClr val="accent1"/>
-          </a:fillRef>
-          <a:effectRef idx="0">
-            <a:schemeClr val="accent1"/>
-          </a:effectRef>
-          <a:fontRef idx="minor">
-            <a:schemeClr val="tx1"/>
-          </a:fontRef>
-        </p:style>
-      </p:cxnSp>
-      <p:cxnSp>
-        <p:nvCxnSpPr>
-          <p:cNvPr id="51" name="Straight Connector 50"/>
-          <p:cNvCxnSpPr/>
-          <p:nvPr/>
-        </p:nvCxnSpPr>
-        <p:spPr>
-          <a:xfrm>
-            <a:off x="6720184" y="3257550"/>
-            <a:ext cx="1085549" cy="0"/>
-          </a:xfrm>
-          <a:prstGeom prst="line">
-            <a:avLst/>
-          </a:prstGeom>
-          <a:ln w="28575">
-            <a:solidFill>
-              <a:srgbClr val="EDECEC"/>
-            </a:solidFill>
-          </a:ln>
-        </p:spPr>
-        <p:style>
-          <a:lnRef idx="1">
-            <a:schemeClr val="accent1"/>
-          </a:lnRef>
-          <a:fillRef idx="0">
-            <a:schemeClr val="accent1"/>
-          </a:fillRef>
-          <a:effectRef idx="0">
-            <a:schemeClr val="accent1"/>
-          </a:effectRef>
-          <a:fontRef idx="minor">
-            <a:schemeClr val="tx1"/>
-          </a:fontRef>
-        </p:style>
-      </p:cxnSp>
-      <p:sp>
-        <p:nvSpPr>
-          <p:cNvPr id="3" name="Text Placeholder 2"/>
-          <p:cNvSpPr>
-            <a:spLocks noGrp="1"/>
-          </p:cNvSpPr>
-          <p:nvPr>
-            <p:ph type="body" sz="quarter" idx="10"/>
-          </p:nvPr>
-        </p:nvSpPr>
-        <p:spPr>
-          <a:xfrm>
-            <a:off x="629840" y="1352551"/>
-            <a:ext cx="6002237" cy="549381"/>
-          </a:xfrm>
-        </p:spPr>
-        <p:txBody>
-          <a:bodyPr/>
-          <a:lstStyle/>
-          <a:p>
-            <a:r>
-              <a:rPr lang="fr-FR" dirty="0">
-                <a:latin typeface="Segoe UI Light" panose="020B0502040204020203" pitchFamily="34" charset="0"/>
-                <a:cs typeface="Segoe UI Light" panose="020B0502040204020203" pitchFamily="34" charset="0"/>
-              </a:rPr>
-              <a:t>LINEAR - FROM </a:t>
-            </a:r>
-            <a:r>
-              <a:rPr lang="fr-FR" dirty="0">
-                <a:solidFill>
-                  <a:schemeClr val="accent1"/>
-                </a:solidFill>
-                <a:latin typeface="Segoe UI Light" panose="020B0502040204020203" pitchFamily="34" charset="0"/>
-                <a:cs typeface="Segoe UI Light" panose="020B0502040204020203" pitchFamily="34" charset="0"/>
-              </a:rPr>
-              <a:t>EXISTING</a:t>
-            </a:r>
-            <a:r>
-              <a:rPr lang="fr-FR" dirty="0">
-                <a:latin typeface="Segoe UI Light" panose="020B0502040204020203" pitchFamily="34" charset="0"/>
-                <a:cs typeface="Segoe UI Light" panose="020B0502040204020203" pitchFamily="34" charset="0"/>
-              </a:rPr>
-              <a:t> REBAR</a:t>
-            </a:r>
-            <a:endParaRPr lang="fr-FR" dirty="0">
-              <a:solidFill>
-                <a:schemeClr val="accent1"/>
-              </a:solidFill>
-              <a:latin typeface="Segoe UI Light" panose="020B0502040204020203" pitchFamily="34" charset="0"/>
-              <a:cs typeface="Segoe UI Light" panose="020B0502040204020203" pitchFamily="34" charset="0"/>
-            </a:endParaRPr>
-          </a:p>
-        </p:txBody>
-      </p:sp>
-      <p:sp>
-        <p:nvSpPr>
-          <p:cNvPr id="4" name="投影片編號版面配置區 3">
-            <a:extLst>
-              <a:ext uri="{FF2B5EF4-FFF2-40B4-BE49-F238E27FC236}">
-                <a16:creationId xmlns:a16="http://schemas.microsoft.com/office/drawing/2014/main" id="{C1DD8E8C-2F7D-4BD5-BCA7-FED231FDEFE5}"/>
-              </a:ext>
-            </a:extLst>
-          </p:cNvPr>
-          <p:cNvSpPr>
-            <a:spLocks noGrp="1"/>
-          </p:cNvSpPr>
-          <p:nvPr>
-            <p:ph type="sldNum" sz="quarter" idx="13"/>
-          </p:nvPr>
-        </p:nvSpPr>
-        <p:spPr/>
-        <p:txBody>
-          <a:bodyPr/>
-          <a:lstStyle/>
-          <a:p>
-            <a:fld id="{2DDD7CF1-F89F-4FD9-B1E5-7228A8EA728A}" type="slidenum">
-              <a:rPr lang="zh-TW" altLang="en-US" smtClean="0"/>
-              <a:t>4</a:t>
-            </a:fld>
-            <a:endParaRPr lang="zh-TW" altLang="en-US"/>
-          </a:p>
-        </p:txBody>
-      </p:sp>
-    </p:spTree>
-    <p:extLst>
-      <p:ext uri="{BB962C8B-B14F-4D97-AF65-F5344CB8AC3E}">
-        <p14:creationId xmlns:p14="http://schemas.microsoft.com/office/powerpoint/2010/main" val="1849703342"/>
-      </p:ext>
-    </p:extLst>
-  </p:cSld>
-  <p:clrMapOvr>
-    <a:masterClrMapping/>
-  </p:clrMapOvr>
-  <mc:AlternateContent xmlns:mc="http://schemas.openxmlformats.org/markup-compatibility/2006">
-    <mc:Choice xmlns:p14="http://schemas.microsoft.com/office/powerpoint/2010/main" Requires="p14">
-      <p:transition spd="med" p14:dur="700" advTm="87615">
-        <p:fade/>
-      </p:transition>
-    </mc:Choice>
-    <mc:Fallback>
-      <p:transition spd="med" advTm="87615">
-        <p:fade/>
-      </p:transition>
-    </mc:Fallback>
-  </mc:AlternateContent>
-  <p:timing>
-    <p:tnLst>
-      <p:par>
-        <p:cTn id="1" dur="indefinite" restart="never" nodeType="tmRoot"/>
-      </p:par>
-    </p:tnLst>
-  </p:timing>
-</p:sld>
-</file>
-
-<file path=ppt/slides/slide5.xml><?xml version="1.0" encoding="utf-8"?>
 <p:sld xmlns:a="http://schemas.openxmlformats.org/drawingml/2006/main" xmlns:r="http://schemas.openxmlformats.org/officeDocument/2006/relationships" xmlns:p="http://schemas.openxmlformats.org/presentationml/2006/main">
   <p:cSld>
     <p:spTree>
@@ -24069,7 +22890,7 @@
           <a:p>
             <a:fld id="{2DDD7CF1-F89F-4FD9-B1E5-7228A8EA728A}" type="slidenum">
               <a:rPr lang="zh-TW" altLang="en-US" smtClean="0"/>
-              <a:t>5</a:t>
+              <a:t>4</a:t>
             </a:fld>
             <a:endParaRPr lang="zh-TW" altLang="en-US"/>
           </a:p>
@@ -24490,12 +23311,119 @@
   </p:clrMapOvr>
   <mc:AlternateContent xmlns:mc="http://schemas.openxmlformats.org/markup-compatibility/2006">
     <mc:Choice xmlns:p14="http://schemas.microsoft.com/office/powerpoint/2010/main" Requires="p14">
-      <p:transition spd="med" p14:dur="700" advTm="17390">
+      <p:transition spd="med" p14:dur="700">
         <p:fade/>
       </p:transition>
     </mc:Choice>
     <mc:Fallback>
-      <p:transition spd="med" advTm="17390">
+      <p:transition spd="med">
+        <p:fade/>
+      </p:transition>
+    </mc:Fallback>
+  </mc:AlternateContent>
+  <p:timing>
+    <p:tnLst>
+      <p:par>
+        <p:cTn id="1" dur="indefinite" restart="never" nodeType="tmRoot"/>
+      </p:par>
+    </p:tnLst>
+  </p:timing>
+</p:sld>
+</file>
+
+<file path=ppt/slides/slide5.xml><?xml version="1.0" encoding="utf-8"?>
+<p:sld xmlns:a="http://schemas.openxmlformats.org/drawingml/2006/main" xmlns:r="http://schemas.openxmlformats.org/officeDocument/2006/relationships" xmlns:p="http://schemas.openxmlformats.org/presentationml/2006/main">
+  <p:cSld>
+    <p:spTree>
+      <p:nvGrpSpPr>
+        <p:cNvPr id="1" name=""/>
+        <p:cNvGrpSpPr/>
+        <p:nvPr/>
+      </p:nvGrpSpPr>
+      <p:grpSpPr>
+        <a:xfrm>
+          <a:off x="0" y="0"/>
+          <a:ext cx="0" cy="0"/>
+          <a:chOff x="0" y="0"/>
+          <a:chExt cx="0" cy="0"/>
+        </a:xfrm>
+      </p:grpSpPr>
+      <p:sp>
+        <p:nvSpPr>
+          <p:cNvPr id="3" name="投影片編號版面配置區 2"/>
+          <p:cNvSpPr>
+            <a:spLocks noGrp="1"/>
+          </p:cNvSpPr>
+          <p:nvPr>
+            <p:ph type="sldNum" sz="quarter" idx="12"/>
+          </p:nvPr>
+        </p:nvSpPr>
+        <p:spPr/>
+        <p:txBody>
+          <a:bodyPr/>
+          <a:lstStyle/>
+          <a:p>
+            <a:fld id="{2DDD7CF1-F89F-4FD9-B1E5-7228A8EA728A}" type="slidenum">
+              <a:rPr lang="zh-TW" altLang="en-US" smtClean="0"/>
+              <a:t>5</a:t>
+            </a:fld>
+            <a:endParaRPr lang="zh-TW" altLang="en-US"/>
+          </a:p>
+        </p:txBody>
+      </p:sp>
+      <p:pic>
+        <p:nvPicPr>
+          <p:cNvPr id="5" name="圖片 4"/>
+          <p:cNvPicPr>
+            <a:picLocks noChangeAspect="1"/>
+          </p:cNvPicPr>
+          <p:nvPr/>
+        </p:nvPicPr>
+        <p:blipFill>
+          <a:blip r:embed="rId2">
+            <a:clrChange>
+              <a:clrFrom>
+                <a:srgbClr val="FFFFFF"/>
+              </a:clrFrom>
+              <a:clrTo>
+                <a:srgbClr val="FFFFFF">
+                  <a:alpha val="0"/>
+                </a:srgbClr>
+              </a:clrTo>
+            </a:clrChange>
+          </a:blip>
+          <a:stretch>
+            <a:fillRect/>
+          </a:stretch>
+        </p:blipFill>
+        <p:spPr>
+          <a:xfrm>
+            <a:off x="8437" y="403698"/>
+            <a:ext cx="9135563" cy="5952653"/>
+          </a:xfrm>
+          <a:prstGeom prst="rect">
+            <a:avLst/>
+          </a:prstGeom>
+        </p:spPr>
+      </p:pic>
+    </p:spTree>
+    <p:extLst>
+      <p:ext uri="{BB962C8B-B14F-4D97-AF65-F5344CB8AC3E}">
+        <p14:creationId xmlns:p14="http://schemas.microsoft.com/office/powerpoint/2010/main" val="597687597"/>
+      </p:ext>
+    </p:extLst>
+  </p:cSld>
+  <p:clrMapOvr>
+    <a:masterClrMapping/>
+  </p:clrMapOvr>
+  <mc:AlternateContent xmlns:mc="http://schemas.openxmlformats.org/markup-compatibility/2006">
+    <mc:Choice xmlns:p14="http://schemas.microsoft.com/office/powerpoint/2010/main" Requires="p14">
+      <p:transition spd="med" p14:dur="700">
+        <p:fade/>
+      </p:transition>
+    </mc:Choice>
+    <mc:Fallback>
+      <p:transition spd="med">
         <p:fade/>
       </p:transition>
     </mc:Fallback>
@@ -24529,12 +23457,990 @@
       </p:grpSpPr>
       <p:sp>
         <p:nvSpPr>
-          <p:cNvPr id="3" name="投影片編號版面配置區 2"/>
+          <p:cNvPr id="99" name="TextBox 98"/>
+          <p:cNvSpPr txBox="1"/>
+          <p:nvPr/>
+        </p:nvSpPr>
+        <p:spPr>
+          <a:xfrm>
+            <a:off x="629841" y="3959424"/>
+            <a:ext cx="1161000" cy="553998"/>
+          </a:xfrm>
+          <a:prstGeom prst="rect">
+            <a:avLst/>
+          </a:prstGeom>
+          <a:noFill/>
+        </p:spPr>
+        <p:txBody>
+          <a:bodyPr wrap="square" lIns="0" rtlCol="0" anchor="t">
+            <a:spAutoFit/>
+          </a:bodyPr>
+          <a:lstStyle/>
+          <a:p>
+            <a:r>
+              <a:rPr lang="fr-FR" sz="1500" dirty="0">
+                <a:latin typeface="Segoe UI Light" panose="020B0502040204020203" pitchFamily="34" charset="0"/>
+                <a:cs typeface="Segoe UI Light" panose="020B0502040204020203" pitchFamily="34" charset="0"/>
+              </a:rPr>
+              <a:t>MOMENT DIAGRAM</a:t>
+            </a:r>
+          </a:p>
+        </p:txBody>
+      </p:sp>
+      <p:grpSp>
+        <p:nvGrpSpPr>
+          <p:cNvPr id="2" name="Group 1"/>
+          <p:cNvGrpSpPr/>
+          <p:nvPr/>
+        </p:nvGrpSpPr>
+        <p:grpSpPr>
+          <a:xfrm>
+            <a:off x="2423814" y="2903338"/>
+            <a:ext cx="708425" cy="708425"/>
+            <a:chOff x="3173014" y="2956717"/>
+            <a:chExt cx="944566" cy="944566"/>
+          </a:xfrm>
+        </p:grpSpPr>
+        <p:sp>
+          <p:nvSpPr>
+            <p:cNvPr id="19" name="Oval 18"/>
+            <p:cNvSpPr/>
+            <p:nvPr/>
+          </p:nvSpPr>
+          <p:spPr>
+            <a:xfrm>
+              <a:off x="3290491" y="3074194"/>
+              <a:ext cx="709612" cy="709612"/>
+            </a:xfrm>
+            <a:prstGeom prst="ellipse">
+              <a:avLst/>
+            </a:prstGeom>
+            <a:solidFill>
+              <a:srgbClr val="1ABC9C"/>
+            </a:solidFill>
+            <a:ln>
+              <a:noFill/>
+            </a:ln>
+          </p:spPr>
+          <p:style>
+            <a:lnRef idx="2">
+              <a:schemeClr val="accent1">
+                <a:shade val="50000"/>
+              </a:schemeClr>
+            </a:lnRef>
+            <a:fillRef idx="1">
+              <a:schemeClr val="accent1"/>
+            </a:fillRef>
+            <a:effectRef idx="0">
+              <a:schemeClr val="accent1"/>
+            </a:effectRef>
+            <a:fontRef idx="minor">
+              <a:schemeClr val="lt1"/>
+            </a:fontRef>
+          </p:style>
+          <p:txBody>
+            <a:bodyPr rtlCol="0" anchor="ctr"/>
+            <a:lstStyle/>
+            <a:p>
+              <a:pPr algn="ctr"/>
+              <a:endParaRPr lang="fr-FR" sz="1350" dirty="0"/>
+            </a:p>
+          </p:txBody>
+        </p:sp>
+        <p:sp>
+          <p:nvSpPr>
+            <p:cNvPr id="23" name="Oval 22"/>
+            <p:cNvSpPr/>
+            <p:nvPr/>
+          </p:nvSpPr>
+          <p:spPr>
+            <a:xfrm>
+              <a:off x="3173014" y="2956717"/>
+              <a:ext cx="944566" cy="944566"/>
+            </a:xfrm>
+            <a:prstGeom prst="ellipse">
+              <a:avLst/>
+            </a:prstGeom>
+            <a:solidFill>
+              <a:srgbClr val="1ABC9C">
+                <a:alpha val="42000"/>
+              </a:srgbClr>
+            </a:solidFill>
+            <a:ln>
+              <a:noFill/>
+            </a:ln>
+          </p:spPr>
+          <p:style>
+            <a:lnRef idx="2">
+              <a:schemeClr val="accent1">
+                <a:shade val="50000"/>
+              </a:schemeClr>
+            </a:lnRef>
+            <a:fillRef idx="1">
+              <a:schemeClr val="accent1"/>
+            </a:fillRef>
+            <a:effectRef idx="0">
+              <a:schemeClr val="accent1"/>
+            </a:effectRef>
+            <a:fontRef idx="minor">
+              <a:schemeClr val="lt1"/>
+            </a:fontRef>
+          </p:style>
+          <p:txBody>
+            <a:bodyPr rtlCol="0" anchor="ctr"/>
+            <a:lstStyle/>
+            <a:p>
+              <a:pPr algn="ctr"/>
+              <a:r>
+                <a:rPr lang="fr-FR" sz="2100" dirty="0">
+                  <a:solidFill>
+                    <a:schemeClr val="bg1"/>
+                  </a:solidFill>
+                  <a:latin typeface="Segoe UI" panose="020B0502040204020203" pitchFamily="34" charset="0"/>
+                  <a:cs typeface="Segoe UI" panose="020B0502040204020203" pitchFamily="34" charset="0"/>
+                </a:rPr>
+                <a:t>2</a:t>
+              </a:r>
+            </a:p>
+          </p:txBody>
+        </p:sp>
+      </p:grpSp>
+      <p:grpSp>
+        <p:nvGrpSpPr>
+          <p:cNvPr id="25" name="Group 24"/>
+          <p:cNvGrpSpPr/>
+          <p:nvPr/>
+        </p:nvGrpSpPr>
+        <p:grpSpPr>
+          <a:xfrm>
+            <a:off x="629840" y="2903338"/>
+            <a:ext cx="708425" cy="708425"/>
+            <a:chOff x="3173014" y="2956717"/>
+            <a:chExt cx="944566" cy="944566"/>
+          </a:xfrm>
+          <a:solidFill>
+            <a:srgbClr val="1ABC9C">
+              <a:alpha val="41176"/>
+            </a:srgbClr>
+          </a:solidFill>
+        </p:grpSpPr>
+        <p:sp>
+          <p:nvSpPr>
+            <p:cNvPr id="26" name="Oval 25"/>
+            <p:cNvSpPr/>
+            <p:nvPr/>
+          </p:nvSpPr>
+          <p:spPr>
+            <a:xfrm>
+              <a:off x="3290491" y="3074194"/>
+              <a:ext cx="709612" cy="709612"/>
+            </a:xfrm>
+            <a:prstGeom prst="ellipse">
+              <a:avLst/>
+            </a:prstGeom>
+            <a:solidFill>
+              <a:srgbClr val="1ABC9C"/>
+            </a:solidFill>
+            <a:ln>
+              <a:noFill/>
+            </a:ln>
+          </p:spPr>
+          <p:style>
+            <a:lnRef idx="2">
+              <a:schemeClr val="accent1">
+                <a:shade val="50000"/>
+              </a:schemeClr>
+            </a:lnRef>
+            <a:fillRef idx="1">
+              <a:schemeClr val="accent1"/>
+            </a:fillRef>
+            <a:effectRef idx="0">
+              <a:schemeClr val="accent1"/>
+            </a:effectRef>
+            <a:fontRef idx="minor">
+              <a:schemeClr val="lt1"/>
+            </a:fontRef>
+          </p:style>
+          <p:txBody>
+            <a:bodyPr rtlCol="0" anchor="ctr"/>
+            <a:lstStyle/>
+            <a:p>
+              <a:pPr algn="ctr"/>
+              <a:endParaRPr lang="fr-FR" sz="1350">
+                <a:solidFill>
+                  <a:schemeClr val="bg1"/>
+                </a:solidFill>
+              </a:endParaRPr>
+            </a:p>
+          </p:txBody>
+        </p:sp>
+        <p:sp>
+          <p:nvSpPr>
+            <p:cNvPr id="27" name="Oval 26"/>
+            <p:cNvSpPr/>
+            <p:nvPr/>
+          </p:nvSpPr>
+          <p:spPr>
+            <a:xfrm>
+              <a:off x="3173014" y="2956717"/>
+              <a:ext cx="944566" cy="944566"/>
+            </a:xfrm>
+            <a:prstGeom prst="ellipse">
+              <a:avLst/>
+            </a:prstGeom>
+            <a:grpFill/>
+            <a:ln>
+              <a:noFill/>
+            </a:ln>
+          </p:spPr>
+          <p:style>
+            <a:lnRef idx="2">
+              <a:schemeClr val="accent1">
+                <a:shade val="50000"/>
+              </a:schemeClr>
+            </a:lnRef>
+            <a:fillRef idx="1">
+              <a:schemeClr val="accent1"/>
+            </a:fillRef>
+            <a:effectRef idx="0">
+              <a:schemeClr val="accent1"/>
+            </a:effectRef>
+            <a:fontRef idx="minor">
+              <a:schemeClr val="lt1"/>
+            </a:fontRef>
+          </p:style>
+          <p:txBody>
+            <a:bodyPr rtlCol="0" anchor="ctr"/>
+            <a:lstStyle/>
+            <a:p>
+              <a:pPr algn="ctr"/>
+              <a:r>
+                <a:rPr lang="fr-FR" sz="2100" dirty="0">
+                  <a:solidFill>
+                    <a:schemeClr val="bg1"/>
+                  </a:solidFill>
+                  <a:latin typeface="Segoe UI" panose="020B0502040204020203" pitchFamily="34" charset="0"/>
+                  <a:cs typeface="Segoe UI" panose="020B0502040204020203" pitchFamily="34" charset="0"/>
+                </a:rPr>
+                <a:t>1</a:t>
+              </a:r>
+            </a:p>
+          </p:txBody>
+        </p:sp>
+      </p:grpSp>
+      <p:grpSp>
+        <p:nvGrpSpPr>
+          <p:cNvPr id="28" name="Group 27"/>
+          <p:cNvGrpSpPr/>
+          <p:nvPr/>
+        </p:nvGrpSpPr>
+        <p:grpSpPr>
+          <a:xfrm>
+            <a:off x="4217788" y="2903338"/>
+            <a:ext cx="708425" cy="708425"/>
+            <a:chOff x="3173014" y="2956717"/>
+            <a:chExt cx="944566" cy="944566"/>
+          </a:xfrm>
+        </p:grpSpPr>
+        <p:sp>
+          <p:nvSpPr>
+            <p:cNvPr id="29" name="Oval 28"/>
+            <p:cNvSpPr/>
+            <p:nvPr/>
+          </p:nvSpPr>
+          <p:spPr>
+            <a:xfrm>
+              <a:off x="3290491" y="3074194"/>
+              <a:ext cx="709612" cy="709612"/>
+            </a:xfrm>
+            <a:prstGeom prst="ellipse">
+              <a:avLst/>
+            </a:prstGeom>
+            <a:solidFill>
+              <a:schemeClr val="accent2"/>
+            </a:solidFill>
+            <a:ln>
+              <a:noFill/>
+            </a:ln>
+          </p:spPr>
+          <p:style>
+            <a:lnRef idx="2">
+              <a:schemeClr val="accent1">
+                <a:shade val="50000"/>
+              </a:schemeClr>
+            </a:lnRef>
+            <a:fillRef idx="1">
+              <a:schemeClr val="accent1"/>
+            </a:fillRef>
+            <a:effectRef idx="0">
+              <a:schemeClr val="accent1"/>
+            </a:effectRef>
+            <a:fontRef idx="minor">
+              <a:schemeClr val="lt1"/>
+            </a:fontRef>
+          </p:style>
+          <p:txBody>
+            <a:bodyPr rtlCol="0" anchor="ctr"/>
+            <a:lstStyle/>
+            <a:p>
+              <a:pPr algn="ctr"/>
+              <a:endParaRPr lang="fr-FR" sz="1350"/>
+            </a:p>
+          </p:txBody>
+        </p:sp>
+        <p:sp>
+          <p:nvSpPr>
+            <p:cNvPr id="30" name="Oval 29"/>
+            <p:cNvSpPr/>
+            <p:nvPr/>
+          </p:nvSpPr>
+          <p:spPr>
+            <a:xfrm>
+              <a:off x="3173014" y="2956717"/>
+              <a:ext cx="944566" cy="944566"/>
+            </a:xfrm>
+            <a:prstGeom prst="ellipse">
+              <a:avLst/>
+            </a:prstGeom>
+            <a:solidFill>
+              <a:schemeClr val="accent2">
+                <a:alpha val="42000"/>
+              </a:schemeClr>
+            </a:solidFill>
+            <a:ln>
+              <a:noFill/>
+            </a:ln>
+          </p:spPr>
+          <p:style>
+            <a:lnRef idx="2">
+              <a:schemeClr val="accent1">
+                <a:shade val="50000"/>
+              </a:schemeClr>
+            </a:lnRef>
+            <a:fillRef idx="1">
+              <a:schemeClr val="accent1"/>
+            </a:fillRef>
+            <a:effectRef idx="0">
+              <a:schemeClr val="accent1"/>
+            </a:effectRef>
+            <a:fontRef idx="minor">
+              <a:schemeClr val="lt1"/>
+            </a:fontRef>
+          </p:style>
+          <p:txBody>
+            <a:bodyPr rtlCol="0" anchor="ctr"/>
+            <a:lstStyle/>
+            <a:p>
+              <a:pPr algn="ctr"/>
+              <a:r>
+                <a:rPr lang="fr-FR" sz="2100" dirty="0">
+                  <a:solidFill>
+                    <a:schemeClr val="bg1"/>
+                  </a:solidFill>
+                  <a:latin typeface="Segoe UI" panose="020B0502040204020203" pitchFamily="34" charset="0"/>
+                  <a:cs typeface="Segoe UI" panose="020B0502040204020203" pitchFamily="34" charset="0"/>
+                </a:rPr>
+                <a:t>3</a:t>
+              </a:r>
+            </a:p>
+          </p:txBody>
+        </p:sp>
+      </p:grpSp>
+      <p:grpSp>
+        <p:nvGrpSpPr>
+          <p:cNvPr id="31" name="Group 30"/>
+          <p:cNvGrpSpPr/>
+          <p:nvPr/>
+        </p:nvGrpSpPr>
+        <p:grpSpPr>
+          <a:xfrm>
+            <a:off x="6011761" y="2903338"/>
+            <a:ext cx="708425" cy="708425"/>
+            <a:chOff x="3173014" y="2956717"/>
+            <a:chExt cx="944566" cy="944566"/>
+          </a:xfrm>
+        </p:grpSpPr>
+        <p:sp>
+          <p:nvSpPr>
+            <p:cNvPr id="32" name="Oval 31"/>
+            <p:cNvSpPr/>
+            <p:nvPr/>
+          </p:nvSpPr>
+          <p:spPr>
+            <a:xfrm>
+              <a:off x="3290491" y="3074194"/>
+              <a:ext cx="709612" cy="709612"/>
+            </a:xfrm>
+            <a:prstGeom prst="ellipse">
+              <a:avLst/>
+            </a:prstGeom>
+            <a:solidFill>
+              <a:schemeClr val="bg1">
+                <a:lumMod val="85000"/>
+              </a:schemeClr>
+            </a:solidFill>
+            <a:ln>
+              <a:noFill/>
+            </a:ln>
+          </p:spPr>
+          <p:style>
+            <a:lnRef idx="2">
+              <a:schemeClr val="accent1">
+                <a:shade val="50000"/>
+              </a:schemeClr>
+            </a:lnRef>
+            <a:fillRef idx="1">
+              <a:schemeClr val="accent1"/>
+            </a:fillRef>
+            <a:effectRef idx="0">
+              <a:schemeClr val="accent1"/>
+            </a:effectRef>
+            <a:fontRef idx="minor">
+              <a:schemeClr val="lt1"/>
+            </a:fontRef>
+          </p:style>
+          <p:txBody>
+            <a:bodyPr rtlCol="0" anchor="ctr"/>
+            <a:lstStyle/>
+            <a:p>
+              <a:pPr algn="ctr"/>
+              <a:endParaRPr lang="fr-FR" sz="1350"/>
+            </a:p>
+          </p:txBody>
+        </p:sp>
+        <p:sp>
+          <p:nvSpPr>
+            <p:cNvPr id="33" name="Oval 32"/>
+            <p:cNvSpPr/>
+            <p:nvPr/>
+          </p:nvSpPr>
+          <p:spPr>
+            <a:xfrm>
+              <a:off x="3173014" y="2956717"/>
+              <a:ext cx="944566" cy="944566"/>
+            </a:xfrm>
+            <a:prstGeom prst="ellipse">
+              <a:avLst/>
+            </a:prstGeom>
+            <a:solidFill>
+              <a:schemeClr val="bg1">
+                <a:lumMod val="85000"/>
+                <a:alpha val="42000"/>
+              </a:schemeClr>
+            </a:solidFill>
+            <a:ln>
+              <a:noFill/>
+            </a:ln>
+          </p:spPr>
+          <p:style>
+            <a:lnRef idx="2">
+              <a:schemeClr val="accent1">
+                <a:shade val="50000"/>
+              </a:schemeClr>
+            </a:lnRef>
+            <a:fillRef idx="1">
+              <a:schemeClr val="accent1"/>
+            </a:fillRef>
+            <a:effectRef idx="0">
+              <a:schemeClr val="accent1"/>
+            </a:effectRef>
+            <a:fontRef idx="minor">
+              <a:schemeClr val="lt1"/>
+            </a:fontRef>
+          </p:style>
+          <p:txBody>
+            <a:bodyPr rtlCol="0" anchor="ctr"/>
+            <a:lstStyle/>
+            <a:p>
+              <a:pPr algn="ctr"/>
+              <a:r>
+                <a:rPr lang="fr-FR" sz="2100" dirty="0">
+                  <a:solidFill>
+                    <a:schemeClr val="tx1"/>
+                  </a:solidFill>
+                  <a:latin typeface="Segoe UI" panose="020B0502040204020203" pitchFamily="34" charset="0"/>
+                  <a:cs typeface="Segoe UI" panose="020B0502040204020203" pitchFamily="34" charset="0"/>
+                </a:rPr>
+                <a:t>4</a:t>
+              </a:r>
+            </a:p>
+          </p:txBody>
+        </p:sp>
+      </p:grpSp>
+      <p:grpSp>
+        <p:nvGrpSpPr>
+          <p:cNvPr id="34" name="Group 33"/>
+          <p:cNvGrpSpPr/>
+          <p:nvPr/>
+        </p:nvGrpSpPr>
+        <p:grpSpPr>
+          <a:xfrm>
+            <a:off x="7805735" y="2903338"/>
+            <a:ext cx="708425" cy="708425"/>
+            <a:chOff x="3173014" y="2956717"/>
+            <a:chExt cx="944566" cy="944566"/>
+          </a:xfrm>
+        </p:grpSpPr>
+        <p:sp>
+          <p:nvSpPr>
+            <p:cNvPr id="35" name="Oval 34"/>
+            <p:cNvSpPr/>
+            <p:nvPr/>
+          </p:nvSpPr>
+          <p:spPr>
+            <a:xfrm>
+              <a:off x="3290491" y="3074194"/>
+              <a:ext cx="709612" cy="709612"/>
+            </a:xfrm>
+            <a:prstGeom prst="ellipse">
+              <a:avLst/>
+            </a:prstGeom>
+            <a:solidFill>
+              <a:schemeClr val="bg1">
+                <a:lumMod val="85000"/>
+              </a:schemeClr>
+            </a:solidFill>
+            <a:ln>
+              <a:noFill/>
+            </a:ln>
+          </p:spPr>
+          <p:style>
+            <a:lnRef idx="2">
+              <a:schemeClr val="accent1">
+                <a:shade val="50000"/>
+              </a:schemeClr>
+            </a:lnRef>
+            <a:fillRef idx="1">
+              <a:schemeClr val="accent1"/>
+            </a:fillRef>
+            <a:effectRef idx="0">
+              <a:schemeClr val="accent1"/>
+            </a:effectRef>
+            <a:fontRef idx="minor">
+              <a:schemeClr val="lt1"/>
+            </a:fontRef>
+          </p:style>
+          <p:txBody>
+            <a:bodyPr rtlCol="0" anchor="ctr"/>
+            <a:lstStyle/>
+            <a:p>
+              <a:pPr algn="ctr"/>
+              <a:endParaRPr lang="fr-FR" sz="1350"/>
+            </a:p>
+          </p:txBody>
+        </p:sp>
+        <p:sp>
+          <p:nvSpPr>
+            <p:cNvPr id="36" name="Oval 35"/>
+            <p:cNvSpPr/>
+            <p:nvPr/>
+          </p:nvSpPr>
+          <p:spPr>
+            <a:xfrm>
+              <a:off x="3173014" y="2956717"/>
+              <a:ext cx="944566" cy="944566"/>
+            </a:xfrm>
+            <a:prstGeom prst="ellipse">
+              <a:avLst/>
+            </a:prstGeom>
+            <a:solidFill>
+              <a:schemeClr val="bg1">
+                <a:lumMod val="85000"/>
+                <a:alpha val="42000"/>
+              </a:schemeClr>
+            </a:solidFill>
+            <a:ln>
+              <a:noFill/>
+            </a:ln>
+          </p:spPr>
+          <p:style>
+            <a:lnRef idx="2">
+              <a:schemeClr val="accent1">
+                <a:shade val="50000"/>
+              </a:schemeClr>
+            </a:lnRef>
+            <a:fillRef idx="1">
+              <a:schemeClr val="accent1"/>
+            </a:fillRef>
+            <a:effectRef idx="0">
+              <a:schemeClr val="accent1"/>
+            </a:effectRef>
+            <a:fontRef idx="minor">
+              <a:schemeClr val="lt1"/>
+            </a:fontRef>
+          </p:style>
+          <p:txBody>
+            <a:bodyPr rtlCol="0" anchor="ctr"/>
+            <a:lstStyle/>
+            <a:p>
+              <a:pPr algn="ctr"/>
+              <a:r>
+                <a:rPr lang="fr-FR" sz="2100" dirty="0">
+                  <a:solidFill>
+                    <a:schemeClr val="tx1"/>
+                  </a:solidFill>
+                  <a:latin typeface="Segoe UI" panose="020B0502040204020203" pitchFamily="34" charset="0"/>
+                  <a:cs typeface="Segoe UI" panose="020B0502040204020203" pitchFamily="34" charset="0"/>
+                </a:rPr>
+                <a:t>5</a:t>
+              </a:r>
+            </a:p>
+          </p:txBody>
+        </p:sp>
+      </p:grpSp>
+      <p:sp>
+        <p:nvSpPr>
+          <p:cNvPr id="42" name="TextBox 41"/>
+          <p:cNvSpPr txBox="1"/>
+          <p:nvPr/>
+        </p:nvSpPr>
+        <p:spPr>
+          <a:xfrm>
+            <a:off x="2423814" y="3959424"/>
+            <a:ext cx="1298180" cy="784830"/>
+          </a:xfrm>
+          <a:prstGeom prst="rect">
+            <a:avLst/>
+          </a:prstGeom>
+          <a:noFill/>
+        </p:spPr>
+        <p:txBody>
+          <a:bodyPr wrap="square" lIns="0" rtlCol="0" anchor="t">
+            <a:spAutoFit/>
+          </a:bodyPr>
+          <a:lstStyle/>
+          <a:p>
+            <a:r>
+              <a:rPr lang="fr-FR" sz="1500" dirty="0">
+                <a:latin typeface="Segoe UI Light" panose="020B0502040204020203" pitchFamily="34" charset="0"/>
+                <a:cs typeface="Segoe UI Light" panose="020B0502040204020203" pitchFamily="34" charset="0"/>
+              </a:rPr>
+              <a:t>TENSION DEVELOPMENT LENGTH</a:t>
+            </a:r>
+          </a:p>
+        </p:txBody>
+      </p:sp>
+      <p:sp>
+        <p:nvSpPr>
+          <p:cNvPr id="43" name="TextBox 42"/>
+          <p:cNvSpPr txBox="1"/>
+          <p:nvPr/>
+        </p:nvSpPr>
+        <p:spPr>
+          <a:xfrm>
+            <a:off x="4217787" y="3959424"/>
+            <a:ext cx="1161000" cy="553998"/>
+          </a:xfrm>
+          <a:prstGeom prst="rect">
+            <a:avLst/>
+          </a:prstGeom>
+          <a:noFill/>
+        </p:spPr>
+        <p:txBody>
+          <a:bodyPr wrap="square" lIns="0" rtlCol="0" anchor="t">
+            <a:spAutoFit/>
+          </a:bodyPr>
+          <a:lstStyle/>
+          <a:p>
+            <a:r>
+              <a:rPr lang="fr-FR" sz="1500" dirty="0">
+                <a:latin typeface="Segoe UI Light" panose="020B0502040204020203" pitchFamily="34" charset="0"/>
+                <a:cs typeface="Segoe UI Light" panose="020B0502040204020203" pitchFamily="34" charset="0"/>
+              </a:rPr>
+              <a:t>GRAVITY DEMAND</a:t>
+            </a:r>
+          </a:p>
+        </p:txBody>
+      </p:sp>
+      <p:sp>
+        <p:nvSpPr>
+          <p:cNvPr id="44" name="TextBox 43"/>
+          <p:cNvSpPr txBox="1"/>
+          <p:nvPr/>
+        </p:nvSpPr>
+        <p:spPr>
+          <a:xfrm>
+            <a:off x="6011760" y="3959424"/>
+            <a:ext cx="1161000" cy="553998"/>
+          </a:xfrm>
+          <a:prstGeom prst="rect">
+            <a:avLst/>
+          </a:prstGeom>
+          <a:noFill/>
+        </p:spPr>
+        <p:txBody>
+          <a:bodyPr wrap="square" lIns="0" rtlCol="0" anchor="t">
+            <a:spAutoFit/>
+          </a:bodyPr>
+          <a:lstStyle/>
+          <a:p>
+            <a:r>
+              <a:rPr lang="en-US" altLang="zh-TW" sz="1500" dirty="0">
+                <a:latin typeface="Segoe UI Light" panose="020B0502040204020203" pitchFamily="34" charset="0"/>
+                <a:cs typeface="Segoe UI Light" panose="020B0502040204020203" pitchFamily="34" charset="0"/>
+              </a:rPr>
+              <a:t>LOAD PATTERN</a:t>
+            </a:r>
+          </a:p>
+        </p:txBody>
+      </p:sp>
+      <p:sp>
+        <p:nvSpPr>
+          <p:cNvPr id="45" name="TextBox 44"/>
+          <p:cNvSpPr txBox="1"/>
+          <p:nvPr/>
+        </p:nvSpPr>
+        <p:spPr>
+          <a:xfrm>
+            <a:off x="7805733" y="3959424"/>
+            <a:ext cx="1161000" cy="1015663"/>
+          </a:xfrm>
+          <a:prstGeom prst="rect">
+            <a:avLst/>
+          </a:prstGeom>
+          <a:noFill/>
+        </p:spPr>
+        <p:txBody>
+          <a:bodyPr wrap="square" lIns="0" rtlCol="0" anchor="t">
+            <a:spAutoFit/>
+          </a:bodyPr>
+          <a:lstStyle/>
+          <a:p>
+            <a:r>
+              <a:rPr lang="en-US" sz="1500" dirty="0">
+                <a:latin typeface="Segoe UI Light" panose="020B0502040204020203" pitchFamily="34" charset="0"/>
+                <a:cs typeface="Segoe UI Light" panose="020B0502040204020203" pitchFamily="34" charset="0"/>
+              </a:rPr>
+              <a:t>REDUCE TO THREE </a:t>
+            </a:r>
+            <a:r>
+              <a:rPr lang="en-US" sz="1500" dirty="0" smtClean="0">
+                <a:latin typeface="Segoe UI Light" panose="020B0502040204020203" pitchFamily="34" charset="0"/>
+                <a:cs typeface="Segoe UI Light" panose="020B0502040204020203" pitchFamily="34" charset="0"/>
+              </a:rPr>
+              <a:t>/ FOUR </a:t>
+            </a:r>
+            <a:r>
+              <a:rPr lang="en-US" sz="1500" dirty="0">
+                <a:latin typeface="Segoe UI Light" panose="020B0502040204020203" pitchFamily="34" charset="0"/>
+                <a:cs typeface="Segoe UI Light" panose="020B0502040204020203" pitchFamily="34" charset="0"/>
+              </a:rPr>
+              <a:t>POINTS</a:t>
+            </a:r>
+          </a:p>
+        </p:txBody>
+      </p:sp>
+      <p:cxnSp>
+        <p:nvCxnSpPr>
+          <p:cNvPr id="14" name="Straight Connector 13"/>
+          <p:cNvCxnSpPr>
+            <a:stCxn id="27" idx="6"/>
+            <a:endCxn id="23" idx="2"/>
+          </p:cNvCxnSpPr>
+          <p:nvPr/>
+        </p:nvCxnSpPr>
+        <p:spPr>
+          <a:xfrm>
+            <a:off x="1338265" y="3257550"/>
+            <a:ext cx="1085549" cy="0"/>
+          </a:xfrm>
+          <a:prstGeom prst="line">
+            <a:avLst/>
+          </a:prstGeom>
+          <a:ln w="28575">
+            <a:solidFill>
+              <a:schemeClr val="accent1"/>
+            </a:solidFill>
+          </a:ln>
+        </p:spPr>
+        <p:style>
+          <a:lnRef idx="1">
+            <a:schemeClr val="accent1"/>
+          </a:lnRef>
+          <a:fillRef idx="0">
+            <a:schemeClr val="accent1"/>
+          </a:fillRef>
+          <a:effectRef idx="0">
+            <a:schemeClr val="accent1"/>
+          </a:effectRef>
+          <a:fontRef idx="minor">
+            <a:schemeClr val="tx1"/>
+          </a:fontRef>
+        </p:style>
+      </p:cxnSp>
+      <p:cxnSp>
+        <p:nvCxnSpPr>
+          <p:cNvPr id="49" name="Straight Connector 48"/>
+          <p:cNvCxnSpPr/>
+          <p:nvPr/>
+        </p:nvCxnSpPr>
+        <p:spPr>
+          <a:xfrm>
+            <a:off x="3124501" y="3257550"/>
+            <a:ext cx="1085549" cy="0"/>
+          </a:xfrm>
+          <a:prstGeom prst="line">
+            <a:avLst/>
+          </a:prstGeom>
+          <a:ln w="28575">
+            <a:solidFill>
+              <a:schemeClr val="accent2"/>
+            </a:solidFill>
+          </a:ln>
+        </p:spPr>
+        <p:style>
+          <a:lnRef idx="1">
+            <a:schemeClr val="accent1"/>
+          </a:lnRef>
+          <a:fillRef idx="0">
+            <a:schemeClr val="accent1"/>
+          </a:fillRef>
+          <a:effectRef idx="0">
+            <a:schemeClr val="accent1"/>
+          </a:effectRef>
+          <a:fontRef idx="minor">
+            <a:schemeClr val="tx1"/>
+          </a:fontRef>
+        </p:style>
+      </p:cxnSp>
+      <p:cxnSp>
+        <p:nvCxnSpPr>
+          <p:cNvPr id="50" name="Straight Connector 49"/>
+          <p:cNvCxnSpPr/>
+          <p:nvPr/>
+        </p:nvCxnSpPr>
+        <p:spPr>
+          <a:xfrm>
+            <a:off x="4933951" y="3257550"/>
+            <a:ext cx="1085549" cy="0"/>
+          </a:xfrm>
+          <a:prstGeom prst="line">
+            <a:avLst/>
+          </a:prstGeom>
+          <a:ln w="28575">
+            <a:solidFill>
+              <a:srgbClr val="EDECEC"/>
+            </a:solidFill>
+          </a:ln>
+        </p:spPr>
+        <p:style>
+          <a:lnRef idx="1">
+            <a:schemeClr val="accent1"/>
+          </a:lnRef>
+          <a:fillRef idx="0">
+            <a:schemeClr val="accent1"/>
+          </a:fillRef>
+          <a:effectRef idx="0">
+            <a:schemeClr val="accent1"/>
+          </a:effectRef>
+          <a:fontRef idx="minor">
+            <a:schemeClr val="tx1"/>
+          </a:fontRef>
+        </p:style>
+      </p:cxnSp>
+      <p:cxnSp>
+        <p:nvCxnSpPr>
+          <p:cNvPr id="51" name="Straight Connector 50"/>
+          <p:cNvCxnSpPr/>
+          <p:nvPr/>
+        </p:nvCxnSpPr>
+        <p:spPr>
+          <a:xfrm>
+            <a:off x="6720184" y="3257550"/>
+            <a:ext cx="1085549" cy="0"/>
+          </a:xfrm>
+          <a:prstGeom prst="line">
+            <a:avLst/>
+          </a:prstGeom>
+          <a:ln w="28575">
+            <a:solidFill>
+              <a:srgbClr val="EDECEC"/>
+            </a:solidFill>
+          </a:ln>
+        </p:spPr>
+        <p:style>
+          <a:lnRef idx="1">
+            <a:schemeClr val="accent1"/>
+          </a:lnRef>
+          <a:fillRef idx="0">
+            <a:schemeClr val="accent1"/>
+          </a:fillRef>
+          <a:effectRef idx="0">
+            <a:schemeClr val="accent1"/>
+          </a:effectRef>
+          <a:fontRef idx="minor">
+            <a:schemeClr val="tx1"/>
+          </a:fontRef>
+        </p:style>
+      </p:cxnSp>
+      <p:sp>
+        <p:nvSpPr>
+          <p:cNvPr id="3" name="Text Placeholder 2"/>
           <p:cNvSpPr>
             <a:spLocks noGrp="1"/>
           </p:cNvSpPr>
           <p:nvPr>
-            <p:ph type="sldNum" sz="quarter" idx="12"/>
+            <p:ph type="body" sz="quarter" idx="10"/>
+          </p:nvPr>
+        </p:nvSpPr>
+        <p:spPr>
+          <a:xfrm>
+            <a:off x="629840" y="1352551"/>
+            <a:ext cx="6002237" cy="549381"/>
+          </a:xfrm>
+        </p:spPr>
+        <p:txBody>
+          <a:bodyPr/>
+          <a:lstStyle/>
+          <a:p>
+            <a:r>
+              <a:rPr lang="fr-FR" dirty="0">
+                <a:latin typeface="Segoe UI Light" panose="020B0502040204020203" pitchFamily="34" charset="0"/>
+                <a:cs typeface="Segoe UI Light" panose="020B0502040204020203" pitchFamily="34" charset="0"/>
+              </a:rPr>
+              <a:t>LINEAR - FROM </a:t>
+            </a:r>
+            <a:r>
+              <a:rPr lang="fr-FR" dirty="0">
+                <a:solidFill>
+                  <a:schemeClr val="accent1"/>
+                </a:solidFill>
+                <a:latin typeface="Segoe UI Light" panose="020B0502040204020203" pitchFamily="34" charset="0"/>
+                <a:cs typeface="Segoe UI Light" panose="020B0502040204020203" pitchFamily="34" charset="0"/>
+              </a:rPr>
+              <a:t>EXISTING</a:t>
+            </a:r>
+            <a:r>
+              <a:rPr lang="fr-FR" dirty="0">
+                <a:latin typeface="Segoe UI Light" panose="020B0502040204020203" pitchFamily="34" charset="0"/>
+                <a:cs typeface="Segoe UI Light" panose="020B0502040204020203" pitchFamily="34" charset="0"/>
+              </a:rPr>
+              <a:t> REBAR</a:t>
+            </a:r>
+            <a:endParaRPr lang="fr-FR" dirty="0">
+              <a:solidFill>
+                <a:schemeClr val="accent1"/>
+              </a:solidFill>
+              <a:latin typeface="Segoe UI Light" panose="020B0502040204020203" pitchFamily="34" charset="0"/>
+              <a:cs typeface="Segoe UI Light" panose="020B0502040204020203" pitchFamily="34" charset="0"/>
+            </a:endParaRPr>
+          </a:p>
+        </p:txBody>
+      </p:sp>
+      <p:sp>
+        <p:nvSpPr>
+          <p:cNvPr id="4" name="投影片編號版面配置區 3">
+            <a:extLst>
+              <a:ext uri="{FF2B5EF4-FFF2-40B4-BE49-F238E27FC236}">
+                <a16:creationId xmlns:a16="http://schemas.microsoft.com/office/drawing/2014/main" id="{C1DD8E8C-2F7D-4BD5-BCA7-FED231FDEFE5}"/>
+              </a:ext>
+            </a:extLst>
+          </p:cNvPr>
+          <p:cNvSpPr>
+            <a:spLocks noGrp="1"/>
+          </p:cNvSpPr>
+          <p:nvPr>
+            <p:ph type="sldNum" sz="quarter" idx="13"/>
           </p:nvPr>
         </p:nvSpPr>
         <p:spPr/>
@@ -24550,45 +24456,10 @@
           </a:p>
         </p:txBody>
       </p:sp>
-      <p:pic>
-        <p:nvPicPr>
-          <p:cNvPr id="5" name="圖片 4"/>
-          <p:cNvPicPr>
-            <a:picLocks noChangeAspect="1"/>
-          </p:cNvPicPr>
-          <p:nvPr/>
-        </p:nvPicPr>
-        <p:blipFill>
-          <a:blip r:embed="rId2">
-            <a:clrChange>
-              <a:clrFrom>
-                <a:srgbClr val="FFFFFF"/>
-              </a:clrFrom>
-              <a:clrTo>
-                <a:srgbClr val="FFFFFF">
-                  <a:alpha val="0"/>
-                </a:srgbClr>
-              </a:clrTo>
-            </a:clrChange>
-          </a:blip>
-          <a:stretch>
-            <a:fillRect/>
-          </a:stretch>
-        </p:blipFill>
-        <p:spPr>
-          <a:xfrm>
-            <a:off x="8437" y="403698"/>
-            <a:ext cx="9135563" cy="5952653"/>
-          </a:xfrm>
-          <a:prstGeom prst="rect">
-            <a:avLst/>
-          </a:prstGeom>
-        </p:spPr>
-      </p:pic>
     </p:spTree>
     <p:extLst>
       <p:ext uri="{BB962C8B-B14F-4D97-AF65-F5344CB8AC3E}">
-        <p14:creationId xmlns:p14="http://schemas.microsoft.com/office/powerpoint/2010/main" val="597687597"/>
+        <p14:creationId xmlns:p14="http://schemas.microsoft.com/office/powerpoint/2010/main" val="1849703342"/>
       </p:ext>
     </p:extLst>
   </p:cSld>
@@ -24597,12 +24468,12 @@
   </p:clrMapOvr>
   <mc:AlternateContent xmlns:mc="http://schemas.openxmlformats.org/markup-compatibility/2006">
     <mc:Choice xmlns:p14="http://schemas.microsoft.com/office/powerpoint/2010/main" Requires="p14">
-      <p:transition spd="med" p14:dur="700" advTm="9728">
+      <p:transition spd="med" p14:dur="700">
         <p:fade/>
       </p:transition>
     </mc:Choice>
     <mc:Fallback>
-      <p:transition spd="med" advTm="9728">
+      <p:transition spd="med">
         <p:fade/>
       </p:transition>
     </mc:Fallback>
@@ -24787,7 +24658,6 @@
               <a:rPr lang="en-US" altLang="zh-TW" dirty="0"/>
               <a:t>MOMENT DIAGRAM</a:t>
             </a:r>
-            <a:endParaRPr lang="en-US" altLang="zh-TW" dirty="0"/>
           </a:p>
         </p:txBody>
       </p:sp>
@@ -25018,12 +24888,12 @@
   </p:clrMapOvr>
   <mc:AlternateContent xmlns:mc="http://schemas.openxmlformats.org/markup-compatibility/2006">
     <mc:Choice xmlns:p14="http://schemas.microsoft.com/office/powerpoint/2010/main" Requires="p14">
-      <p:transition spd="med" p14:dur="700" advTm="12262">
+      <p:transition spd="med" p14:dur="700">
         <p:fade/>
       </p:transition>
     </mc:Choice>
     <mc:Fallback>
-      <p:transition spd="med" advTm="12262">
+      <p:transition spd="med">
         <p:fade/>
       </p:transition>
     </mc:Fallback>
@@ -25534,12 +25404,12 @@
   </p:clrMapOvr>
   <mc:AlternateContent xmlns:mc="http://schemas.openxmlformats.org/markup-compatibility/2006">
     <mc:Choice xmlns:p14="http://schemas.microsoft.com/office/powerpoint/2010/main" Requires="p14">
-      <p:transition spd="med" p14:dur="700" advTm="35567">
+      <p:transition spd="med" p14:dur="700">
         <p:fade/>
       </p:transition>
     </mc:Choice>
     <mc:Fallback>
-      <p:transition spd="med" advTm="35567">
+      <p:transition spd="med">
         <p:fade/>
       </p:transition>
     </mc:Fallback>
@@ -25800,11 +25670,6 @@
               </a:rPr>
               <a:t>UNDERESTIMATE</a:t>
             </a:r>
-            <a:endParaRPr lang="en-US" altLang="zh-TW" dirty="0">
-              <a:solidFill>
-                <a:schemeClr val="accent1"/>
-              </a:solidFill>
-            </a:endParaRPr>
           </a:p>
         </p:txBody>
       </p:sp>
@@ -25952,12 +25817,12 @@
   </p:clrMapOvr>
   <mc:AlternateContent xmlns:mc="http://schemas.openxmlformats.org/markup-compatibility/2006">
     <mc:Choice xmlns:p14="http://schemas.microsoft.com/office/powerpoint/2010/main" Requires="p14">
-      <p:transition spd="med" p14:dur="700" advTm="77533">
+      <p:transition spd="med" p14:dur="700">
         <p:fade/>
       </p:transition>
     </mc:Choice>
     <mc:Fallback>
-      <p:transition spd="med" advTm="77533">
+      <p:transition spd="med">
         <p:fade/>
       </p:transition>
     </mc:Fallback>
